--- a/Later/Spring/14_Spring_Object_XML_Mapping/2/Spring Object XML mapping_castor_Annotation.pptx
+++ b/Later/Spring/14_Spring_Object_XML_Mapping/2/Spring Object XML mapping_castor_Annotation.pptx
@@ -4322,7 +4322,7 @@
         <p:spPr>
           <a:xfrm>
             <a:off x="1752600" y="35739"/>
-            <a:ext cx="5638800" cy="276999"/>
+            <a:ext cx="6019800" cy="276999"/>
           </a:xfrm>
           <a:prstGeom prst="rect">
             <a:avLst/>
@@ -4457,11 +4457,19 @@
             </a:r>
             <a:r>
               <a:rPr lang="en-US" sz="1200" dirty="0" smtClean="0"/>
-              <a:t>XML binding </a:t>
+              <a:t>XML binding framework – </a:t>
             </a:r>
             <a:r>
               <a:rPr lang="en-US" sz="1200" dirty="0" smtClean="0"/>
-              <a:t>framework – XML Configuration</a:t>
+              <a:t>Annotation</a:t>
+            </a:r>
+            <a:r>
+              <a:rPr lang="en-US" sz="1200" dirty="0" smtClean="0"/>
+              <a:t> </a:t>
+            </a:r>
+            <a:r>
+              <a:rPr lang="en-US" sz="1200" dirty="0" smtClean="0"/>
+              <a:t>Configuration</a:t>
             </a:r>
             <a:endParaRPr lang="en-US" sz="1200" dirty="0"/>
           </a:p>
@@ -4597,126 +4605,9 @@
           <a:chExt cx="0" cy="0"/>
         </a:xfrm>
       </p:grpSpPr>
-      <p:sp>
-        <p:nvSpPr>
-          <p:cNvPr id="3" name="AutoShape 2" descr="data:image/png;base64,iVBORw0KGgoAAAANSUhEUgAAANEAAADxCAMAAABiSKLrAAAAbFBMVEWIiIj////6+vr29vb19fX4+Pj5+fnu7u77+/v39/f9/f3z8/P+/v709PT8/Pyqqqrt7e3v7+/w8PDx8fHy8vK+vr7Q0NCjo6OBgYHY2Njk5OTHx8eNjY3c3NzGxsbn5+eWlpa1tbWcnJx6enob4+f+AAAIqklEQVR4nO3dCZuaOhQGYEZAh0FkX2W1//8/lkVMICeIkRmOPHz22lYg5OVEZLFzJRNrnC+xSGt3nJvQekMUYktnEiM1ouDrjCs/pukLkzoRtpjmNRcloRUFoiS8oo5UvLwsYpEgCaXoHLYiMRJqkRAJt0iEhFwkQMIqCgJRElpRLErCL3r1oxavSJSEWCRIQikyOtGQNPd8CaXICc04FiXhFomQkIsESChFbmhmwiT0opf3eBivMzSjLuORnh49oKxRKxIloayR24oESShFRScSI6EUJaGZCJNwiwhp/skFcpFAlbCLXiehF71MQisSJiEVVYkwqRP9oEpXI1HSXXRuWjo/2jz3f3v8YfjS7871lbU1EiT1IjrAKrvX/2iurzisijkk8OQC5ah7iERIyEUCJOyi10noRU9J490DUpFPRAApniJhFVnzSaOdOF6RKAmlKGhFgiTMohdIyYeIhEh30aV99E9NLo8VXLqn++Q/mIuIREid6DJsv32s91Ityi1hEtJRl5+ESX2NMKUR2ZYoCbNIjIRV5FiiJIyicx7mriVEKnCKfvxadBIloRQ1NTqJkcICpcgPr7rjOPYJZnFNbZVwikw/YHNlXmDi4xW9kU70jSnNqOu/xL4R0aWg3yNMgNHWp0I66i7Dy5PsdXFuApw1Eg8RndfuykLZa4Q/512EPrsIfzYtOmwje43wh4h+1u7KQvm5bk601wh9NlijXYQ+uwh/HqLrZkTXh+h4PDQP8lQ/PvAlSrT2xl0oRHQ5biOXXYQ+uwh/dhH+7CL82bRI3Ua2XKPvtTfuQvneReizi/BnF+HPLsKfTYu0bYQWsd5PfImIDmtv3IVy2EXos4vwZxfhzy7CH0okbyO7CH+2/D46rr1xF8pxF6HPLsKfXYQ/uwh/KJGyjWxatPZwWShEpK69cReKuovQZxfhzy7Cn12EP0SkGduItmHRzFF3P3r63ZHzTl4YdYqsHg/e/YdF2e7xcFRVrba109gMFp2evGhmjzpFVZLcvJVpl7K8hWaVB1liNVNdJh7VZ4Wd7P4aaa5I866lFEnDRHWksC5eVgtH8VWy8PHGTE5V/rr+QqSocTnm9CpTM+SMmRhVVJcPKbPYv5VFcs7x1F3P1eeikl1sXZHGB0lRLH+eSI75ICk6KZ8nctkOkaQN+cNEWjBRIimU0YpkHY4hmxOgqNIMHRaRJo6giLO+dyM/F1nsvpfqWVAv92Eihe0u3bNE+TgR/FkURfWhUHPMIBsguh6N0yKNs7o/EGkVIEpj+XA8fltJ0GzqDxMdQwBka+2gqQ/p9FYkpaNIiEXuje3OddQfg738rFCTcYmME9sdKXntbY1MBOy802JrotJ6bSUiInLia7y2+aZEbXuyxXbn5vXXGQazDs+6xUWGoql2kXU/DDrOssLWNFmZ65oQufeflwvU6PHDdO8ki/0xu/Rb7RVRvZNJgupW7y3bU+T6JLnej97MPLNUhbPIbJEV9U2y/eknHds5lfhfNMo/sb23oRX5LQXWGUmpGdtz3nxEpOiep7eP+5MFUEZJj+0SCnsCVX/CkrZUQFRvQG+8RkNOzHTi5LL0rW6x8YL0bwolGtdolqir0fQxAyQCNrdsVczFmdFS6fXp+4kSecPMEqntrAYkkklTYI288frkYKI+j+XCYtzRUdCIdMV/7mkWTDNmY6AU6bo5C9QknqwSEpFuzAdJUjZFQiJSoFMWfhIDu0ievDjD5ubquEV6AjVet3krU3B/Hvn8cYdDBJxUSlKVaJqmWvENMiXcImEQKcCYi26W1nZaN9SAXXFkcos0JZpxXLeICDpLDnVSBDkDusAtEhGN72p5J78LcMbn9+nudemgiDSlASLF66cC20NKbZ3qCnAnIfKp9gcxiIjVPj8/8mbVCBY9VsNes42C4YgBrgyUJ06NpkRdCuD8yB418pYIOkl2hyuQ2SOkKOMMO4M76vrBB4sG84Cjjrr5Cooeo4TdLwyGbLsC4IKgD93dHY66lUQye7gQxfqgfdcDhr7JeSOtLoL2dOn4KEdX2E+s0hp24j3RaUERsPnLLBmlYPceaYJVBB0Bja85p8ANn3rXgFX02kEqaSGAeywoGs7zjghYdqYoxyp68USCtMDZfX+wqHomav53fkBcWDSYx4NEBpkuAyLj3oSwSDIVsMM6ETVAp/3V/KG2tP/xRPRccI1IW7Comyr8PupE9052bbW/0yLHpX/1T1wRmQuskULa4oqcd/Z1pjLu6li0zqgDP49m5fmo+2NR3z50zFBYczLsBB6Rxx6y8Q5wRoE7LCaylhM5BnTs7cGdmZP1RZzdygeLXOjW9fg94jYXUnjjbBHRcJ5nImVKBA67fFgkL/HzIE4KRW7vM0/i/kQ0WSPHg75KldHdqc+h7pfZ0jKs/GuDM3hvNSLizSEqoroE1Yia7ELf00kIWS/o09z+EmLA6bC3hMh9TwRskDq51x47e4Zzhc73Qt64wyByPOjmUVT6cZZkcQV+0zxNflX05qgD36tSe3MilcCr1FLEe9sPRDYYjmgwD1wjMl1hm4h0ugF43PETVd6wB3RbKES2Pu+2cr9waHFBWESO+8JtyxrkckFYRDa8dxAAoRHNH3hRNTHkUIlsY9Z3TqR6LzcFokScSsKi4TzPRMYske0VT78XJJkJZ8uTzojV6FdEtmNkE9/diqLUzJTpAtmzalQyF6FvI5ETA9+OpraQwTYhwRvQMYqryX6sNn8vq8AynnqoGuXuCY7N/vMR3R7N47DzePR04J+gjJt4rM7V3SzwzbC8FzYtb2Z1jQtDd3nLDOLmD1E9v90++qfT4Lfh5N+cq/508shXb5st6Ll1cWa2RYu2EUo0p6QfkF2EP7sIf3YR/hCRs3ZXFoqzYdEGR92su1D4Q486yzq1D/L0iS85W67R2l1ZKLsIfzYs4l05+bg8rpxU/lZS3UXbyvZE/wFXu+LXNTDaDQAAAABJRU5ErkJggg=="/>
-          <p:cNvSpPr>
-            <a:spLocks noChangeAspect="1" noChangeArrowheads="1"/>
-          </p:cNvSpPr>
-          <p:nvPr/>
-        </p:nvSpPr>
-        <p:spPr bwMode="auto">
-          <a:xfrm>
-            <a:off x="155575" y="-144463"/>
-            <a:ext cx="304800" cy="304801"/>
-          </a:xfrm>
-          <a:prstGeom prst="rect">
-            <a:avLst/>
-          </a:prstGeom>
-          <a:noFill/>
-          <a:extLst>
-            <a:ext uri="{909E8E84-426E-40DD-AFC4-6F175D3DCCD1}">
-              <a14:hiddenFill xmlns:a14="http://schemas.microsoft.com/office/drawing/2010/main">
-                <a:solidFill>
-                  <a:srgbClr val="FFFFFF"/>
-                </a:solidFill>
-              </a14:hiddenFill>
-            </a:ext>
-          </a:extLst>
-        </p:spPr>
-        <p:txBody>
-          <a:bodyPr vert="horz" wrap="square" lIns="91440" tIns="45720" rIns="91440" bIns="45720" numCol="1" anchor="t" anchorCtr="0" compatLnSpc="1">
-            <a:prstTxWarp prst="textNoShape">
-              <a:avLst/>
-            </a:prstTxWarp>
-          </a:bodyPr>
-          <a:lstStyle/>
-          <a:p>
-            <a:endParaRPr lang="en-US" sz="1200" dirty="0"/>
-          </a:p>
-        </p:txBody>
-      </p:sp>
-      <p:sp>
-        <p:nvSpPr>
-          <p:cNvPr id="2" name="AutoShape 2" descr="Image result for file"/>
-          <p:cNvSpPr>
-            <a:spLocks noChangeAspect="1" noChangeArrowheads="1"/>
-          </p:cNvSpPr>
-          <p:nvPr/>
-        </p:nvSpPr>
-        <p:spPr bwMode="auto">
-          <a:xfrm>
-            <a:off x="307975" y="7937"/>
-            <a:ext cx="304800" cy="304801"/>
-          </a:xfrm>
-          <a:prstGeom prst="rect">
-            <a:avLst/>
-          </a:prstGeom>
-          <a:noFill/>
-          <a:extLst>
-            <a:ext uri="{909E8E84-426E-40DD-AFC4-6F175D3DCCD1}">
-              <a14:hiddenFill xmlns:a14="http://schemas.microsoft.com/office/drawing/2010/main">
-                <a:solidFill>
-                  <a:srgbClr val="FFFFFF"/>
-                </a:solidFill>
-              </a14:hiddenFill>
-            </a:ext>
-          </a:extLst>
-        </p:spPr>
-        <p:txBody>
-          <a:bodyPr vert="horz" wrap="square" lIns="91440" tIns="45720" rIns="91440" bIns="45720" numCol="1" anchor="t" anchorCtr="0" compatLnSpc="1">
-            <a:prstTxWarp prst="textNoShape">
-              <a:avLst/>
-            </a:prstTxWarp>
-          </a:bodyPr>
-          <a:lstStyle/>
-          <a:p>
-            <a:endParaRPr lang="en-US" dirty="0"/>
-          </a:p>
-        </p:txBody>
-      </p:sp>
-      <p:sp>
-        <p:nvSpPr>
-          <p:cNvPr id="4" name="AutoShape 4" descr="Image result for file"/>
-          <p:cNvSpPr>
-            <a:spLocks noChangeAspect="1" noChangeArrowheads="1"/>
-          </p:cNvSpPr>
-          <p:nvPr/>
-        </p:nvSpPr>
-        <p:spPr bwMode="auto">
-          <a:xfrm>
-            <a:off x="460375" y="160337"/>
-            <a:ext cx="304800" cy="304801"/>
-          </a:xfrm>
-          <a:prstGeom prst="rect">
-            <a:avLst/>
-          </a:prstGeom>
-          <a:noFill/>
-          <a:extLst>
-            <a:ext uri="{909E8E84-426E-40DD-AFC4-6F175D3DCCD1}">
-              <a14:hiddenFill xmlns:a14="http://schemas.microsoft.com/office/drawing/2010/main">
-                <a:solidFill>
-                  <a:srgbClr val="FFFFFF"/>
-                </a:solidFill>
-              </a14:hiddenFill>
-            </a:ext>
-          </a:extLst>
-        </p:spPr>
-        <p:txBody>
-          <a:bodyPr vert="horz" wrap="square" lIns="91440" tIns="45720" rIns="91440" bIns="45720" numCol="1" anchor="t" anchorCtr="0" compatLnSpc="1">
-            <a:prstTxWarp prst="textNoShape">
-              <a:avLst/>
-            </a:prstTxWarp>
-          </a:bodyPr>
-          <a:lstStyle/>
-          <a:p>
-            <a:endParaRPr lang="en-US" dirty="0"/>
-          </a:p>
-        </p:txBody>
-      </p:sp>
       <p:pic>
         <p:nvPicPr>
-          <p:cNvPr id="1026" name="Picture 2"/>
+          <p:cNvPr id="8" name="Picture 3"/>
           <p:cNvPicPr>
             <a:picLocks noChangeAspect="1" noChangeArrowheads="1"/>
           </p:cNvPicPr>
@@ -4737,32 +4628,50 @@
         </p:blipFill>
         <p:spPr bwMode="auto">
           <a:xfrm>
-            <a:off x="155575" y="533400"/>
-            <a:ext cx="4476750" cy="4206740"/>
+            <a:off x="4594225" y="1676400"/>
+            <a:ext cx="4235450" cy="3171825"/>
           </a:xfrm>
           <a:prstGeom prst="rect">
             <a:avLst/>
           </a:prstGeom>
-          <a:ln/>
-        </p:spPr>
-        <p:style>
-          <a:lnRef idx="1">
-            <a:schemeClr val="accent4"/>
-          </a:lnRef>
-          <a:fillRef idx="3">
-            <a:schemeClr val="accent4"/>
-          </a:fillRef>
-          <a:effectRef idx="2">
-            <a:schemeClr val="accent4"/>
-          </a:effectRef>
-          <a:fontRef idx="minor">
-            <a:schemeClr val="lt1"/>
-          </a:fontRef>
-        </p:style>
+          <a:noFill/>
+          <a:ln>
+            <a:noFill/>
+          </a:ln>
+          <a:effectLst/>
+          <a:extLst>
+            <a:ext uri="{909E8E84-426E-40DD-AFC4-6F175D3DCCD1}">
+              <a14:hiddenFill xmlns:a14="http://schemas.microsoft.com/office/drawing/2010/main">
+                <a:solidFill>
+                  <a:schemeClr val="accent1"/>
+                </a:solidFill>
+              </a14:hiddenFill>
+            </a:ext>
+            <a:ext uri="{91240B29-F687-4F45-9708-019B960494DF}">
+              <a14:hiddenLine xmlns:a14="http://schemas.microsoft.com/office/drawing/2010/main" w="9525">
+                <a:solidFill>
+                  <a:schemeClr val="tx1"/>
+                </a:solidFill>
+                <a:miter lim="800000"/>
+                <a:headEnd/>
+                <a:tailEnd/>
+              </a14:hiddenLine>
+            </a:ext>
+            <a:ext uri="{AF507438-7753-43E0-B8FC-AC1667EBCBE1}">
+              <a14:hiddenEffects xmlns:a14="http://schemas.microsoft.com/office/drawing/2010/main">
+                <a:effectLst>
+                  <a:outerShdw dist="35921" dir="2700000" algn="ctr" rotWithShape="0">
+                    <a:schemeClr val="bg2"/>
+                  </a:outerShdw>
+                </a:effectLst>
+              </a14:hiddenEffects>
+            </a:ext>
+          </a:extLst>
+        </p:spPr>
       </p:pic>
       <p:pic>
         <p:nvPicPr>
-          <p:cNvPr id="1027" name="Picture 3"/>
+          <p:cNvPr id="6" name="Picture 2"/>
           <p:cNvPicPr>
             <a:picLocks noChangeAspect="1" noChangeArrowheads="1"/>
           </p:cNvPicPr>
@@ -4783,29 +4692,164 @@
         </p:blipFill>
         <p:spPr bwMode="auto">
           <a:xfrm>
-            <a:off x="4724400" y="2463665"/>
-            <a:ext cx="4332287" cy="2286000"/>
+            <a:off x="0" y="436313"/>
+            <a:ext cx="4187825" cy="4511904"/>
           </a:xfrm>
           <a:prstGeom prst="rect">
             <a:avLst/>
           </a:prstGeom>
-          <a:ln/>
-        </p:spPr>
-        <p:style>
-          <a:lnRef idx="1">
-            <a:schemeClr val="accent5"/>
-          </a:lnRef>
-          <a:fillRef idx="3">
-            <a:schemeClr val="accent5"/>
-          </a:fillRef>
-          <a:effectRef idx="2">
-            <a:schemeClr val="accent5"/>
-          </a:effectRef>
-          <a:fontRef idx="minor">
-            <a:schemeClr val="lt1"/>
-          </a:fontRef>
-        </p:style>
+          <a:noFill/>
+          <a:ln>
+            <a:noFill/>
+          </a:ln>
+          <a:effectLst/>
+          <a:extLst>
+            <a:ext uri="{909E8E84-426E-40DD-AFC4-6F175D3DCCD1}">
+              <a14:hiddenFill xmlns:a14="http://schemas.microsoft.com/office/drawing/2010/main">
+                <a:solidFill>
+                  <a:schemeClr val="accent1"/>
+                </a:solidFill>
+              </a14:hiddenFill>
+            </a:ext>
+            <a:ext uri="{91240B29-F687-4F45-9708-019B960494DF}">
+              <a14:hiddenLine xmlns:a14="http://schemas.microsoft.com/office/drawing/2010/main" w="9525">
+                <a:solidFill>
+                  <a:schemeClr val="tx1"/>
+                </a:solidFill>
+                <a:miter lim="800000"/>
+                <a:headEnd/>
+                <a:tailEnd/>
+              </a14:hiddenLine>
+            </a:ext>
+            <a:ext uri="{AF507438-7753-43E0-B8FC-AC1667EBCBE1}">
+              <a14:hiddenEffects xmlns:a14="http://schemas.microsoft.com/office/drawing/2010/main">
+                <a:effectLst>
+                  <a:outerShdw dist="35921" dir="2700000" algn="ctr" rotWithShape="0">
+                    <a:schemeClr val="bg2"/>
+                  </a:outerShdw>
+                </a:effectLst>
+              </a14:hiddenEffects>
+            </a:ext>
+          </a:extLst>
+        </p:spPr>
       </p:pic>
+      <p:sp>
+        <p:nvSpPr>
+          <p:cNvPr id="3" name="AutoShape 2" descr="data:image/png;base64,iVBORw0KGgoAAAANSUhEUgAAANEAAADxCAMAAABiSKLrAAAAbFBMVEWIiIj////6+vr29vb19fX4+Pj5+fnu7u77+/v39/f9/f3z8/P+/v709PT8/Pyqqqrt7e3v7+/w8PDx8fHy8vK+vr7Q0NCjo6OBgYHY2Njk5OTHx8eNjY3c3NzGxsbn5+eWlpa1tbWcnJx6enob4+f+AAAIqklEQVR4nO3dCZuaOhQGYEZAh0FkX2W1//8/lkVMICeIkRmOPHz22lYg5OVEZLFzJRNrnC+xSGt3nJvQekMUYktnEiM1ouDrjCs/pukLkzoRtpjmNRcloRUFoiS8oo5UvLwsYpEgCaXoHLYiMRJqkRAJt0iEhFwkQMIqCgJRElpRLErCL3r1oxavSJSEWCRIQikyOtGQNPd8CaXICc04FiXhFomQkIsESChFbmhmwiT0opf3eBivMzSjLuORnh49oKxRKxIloayR24oESShFRScSI6EUJaGZCJNwiwhp/skFcpFAlbCLXiehF71MQisSJiEVVYkwqRP9oEpXI1HSXXRuWjo/2jz3f3v8YfjS7871lbU1EiT1IjrAKrvX/2iurzisijkk8OQC5ah7iERIyEUCJOyi10noRU9J490DUpFPRAApniJhFVnzSaOdOF6RKAmlKGhFgiTMohdIyYeIhEh30aV99E9NLo8VXLqn++Q/mIuIREid6DJsv32s91Ityi1hEtJRl5+ESX2NMKUR2ZYoCbNIjIRV5FiiJIyicx7mriVEKnCKfvxadBIloRQ1NTqJkcICpcgPr7rjOPYJZnFNbZVwikw/YHNlXmDi4xW9kU70jSnNqOu/xL4R0aWg3yNMgNHWp0I66i7Dy5PsdXFuApw1Eg8RndfuykLZa4Q/512EPrsIfzYtOmwje43wh4h+1u7KQvm5bk601wh9NlijXYQ+uwh/HqLrZkTXh+h4PDQP8lQ/PvAlSrT2xl0oRHQ5biOXXYQ+uwh/dhH+7CL82bRI3Ua2XKPvtTfuQvneReizi/BnF+HPLsKfTYu0bYQWsd5PfImIDmtv3IVy2EXos4vwZxfhzy7CH0okbyO7CH+2/D46rr1xF8pxF6HPLsKfXYQ/uwh/KJGyjWxatPZwWShEpK69cReKuovQZxfhzy7Cn12EP0SkGduItmHRzFF3P3r63ZHzTl4YdYqsHg/e/YdF2e7xcFRVrba109gMFp2evGhmjzpFVZLcvJVpl7K8hWaVB1liNVNdJh7VZ4Wd7P4aaa5I866lFEnDRHWksC5eVgtH8VWy8PHGTE5V/rr+QqSocTnm9CpTM+SMmRhVVJcPKbPYv5VFcs7x1F3P1eeikl1sXZHGB0lRLH+eSI75ICk6KZ8nctkOkaQN+cNEWjBRIimU0YpkHY4hmxOgqNIMHRaRJo6giLO+dyM/F1nsvpfqWVAv92Eihe0u3bNE+TgR/FkURfWhUHPMIBsguh6N0yKNs7o/EGkVIEpj+XA8fltJ0GzqDxMdQwBka+2gqQ/p9FYkpaNIiEXuje3OddQfg738rFCTcYmME9sdKXntbY1MBOy802JrotJ6bSUiInLia7y2+aZEbXuyxXbn5vXXGQazDs+6xUWGoql2kXU/DDrOssLWNFmZ65oQufeflwvU6PHDdO8ki/0xu/Rb7RVRvZNJgupW7y3bU+T6JLnej97MPLNUhbPIbJEV9U2y/eknHds5lfhfNMo/sb23oRX5LQXWGUmpGdtz3nxEpOiep7eP+5MFUEZJj+0SCnsCVX/CkrZUQFRvQG+8RkNOzHTi5LL0rW6x8YL0bwolGtdolqir0fQxAyQCNrdsVczFmdFS6fXp+4kSecPMEqntrAYkkklTYI288frkYKI+j+XCYtzRUdCIdMV/7mkWTDNmY6AU6bo5C9QknqwSEpFuzAdJUjZFQiJSoFMWfhIDu0ievDjD5ubquEV6AjVet3krU3B/Hvn8cYdDBJxUSlKVaJqmWvENMiXcImEQKcCYi26W1nZaN9SAXXFkcos0JZpxXLeICDpLDnVSBDkDusAtEhGN72p5J78LcMbn9+nudemgiDSlASLF66cC20NKbZ3qCnAnIfKp9gcxiIjVPj8/8mbVCBY9VsNes42C4YgBrgyUJ06NpkRdCuD8yB418pYIOkl2hyuQ2SOkKOMMO4M76vrBB4sG84Cjjrr5Cooeo4TdLwyGbLsC4IKgD93dHY66lUQye7gQxfqgfdcDhr7JeSOtLoL2dOn4KEdX2E+s0hp24j3RaUERsPnLLBmlYPceaYJVBB0Bja85p8ANn3rXgFX02kEqaSGAeywoGs7zjghYdqYoxyp68USCtMDZfX+wqHomav53fkBcWDSYx4NEBpkuAyLj3oSwSDIVsMM6ETVAp/3V/KG2tP/xRPRccI1IW7Comyr8PupE9052bbW/0yLHpX/1T1wRmQuskULa4oqcd/Z1pjLu6li0zqgDP49m5fmo+2NR3z50zFBYczLsBB6Rxx6y8Q5wRoE7LCaylhM5BnTs7cGdmZP1RZzdygeLXOjW9fg94jYXUnjjbBHRcJ5nImVKBA67fFgkL/HzIE4KRW7vM0/i/kQ0WSPHg75KldHdqc+h7pfZ0jKs/GuDM3hvNSLizSEqoroE1Yia7ELf00kIWS/o09z+EmLA6bC3hMh9TwRskDq51x47e4Zzhc73Qt64wyByPOjmUVT6cZZkcQV+0zxNflX05qgD36tSe3MilcCr1FLEe9sPRDYYjmgwD1wjMl1hm4h0ugF43PETVd6wB3RbKES2Pu+2cr9waHFBWESO+8JtyxrkckFYRDa8dxAAoRHNH3hRNTHkUIlsY9Z3TqR6LzcFokScSsKi4TzPRMYske0VT78XJJkJZ8uTzojV6FdEtmNkE9/diqLUzJTpAtmzalQyF6FvI5ETA9+OpraQwTYhwRvQMYqryX6sNn8vq8AynnqoGuXuCY7N/vMR3R7N47DzePR04J+gjJt4rM7V3SzwzbC8FzYtb2Z1jQtDd3nLDOLmD1E9v90++qfT4Lfh5N+cq/508shXb5st6Ll1cWa2RYu2EUo0p6QfkF2EP7sIf3YR/hCRs3ZXFoqzYdEGR92su1D4Q486yzq1D/L0iS85W67R2l1ZKLsIfzYs4l05+bg8rpxU/lZS3UXbyvZE/wFXu+LXNTDaDQAAAABJRU5ErkJggg=="/>
+          <p:cNvSpPr>
+            <a:spLocks noChangeAspect="1" noChangeArrowheads="1"/>
+          </p:cNvSpPr>
+          <p:nvPr/>
+        </p:nvSpPr>
+        <p:spPr bwMode="auto">
+          <a:xfrm>
+            <a:off x="155575" y="-144463"/>
+            <a:ext cx="304800" cy="304801"/>
+          </a:xfrm>
+          <a:prstGeom prst="rect">
+            <a:avLst/>
+          </a:prstGeom>
+          <a:noFill/>
+          <a:extLst>
+            <a:ext uri="{909E8E84-426E-40DD-AFC4-6F175D3DCCD1}">
+              <a14:hiddenFill xmlns:a14="http://schemas.microsoft.com/office/drawing/2010/main">
+                <a:solidFill>
+                  <a:srgbClr val="FFFFFF"/>
+                </a:solidFill>
+              </a14:hiddenFill>
+            </a:ext>
+          </a:extLst>
+        </p:spPr>
+        <p:txBody>
+          <a:bodyPr vert="horz" wrap="square" lIns="91440" tIns="45720" rIns="91440" bIns="45720" numCol="1" anchor="t" anchorCtr="0" compatLnSpc="1">
+            <a:prstTxWarp prst="textNoShape">
+              <a:avLst/>
+            </a:prstTxWarp>
+          </a:bodyPr>
+          <a:lstStyle/>
+          <a:p>
+            <a:endParaRPr lang="en-US" sz="1200" dirty="0"/>
+          </a:p>
+        </p:txBody>
+      </p:sp>
+      <p:sp>
+        <p:nvSpPr>
+          <p:cNvPr id="2" name="AutoShape 2" descr="Image result for file"/>
+          <p:cNvSpPr>
+            <a:spLocks noChangeAspect="1" noChangeArrowheads="1"/>
+          </p:cNvSpPr>
+          <p:nvPr/>
+        </p:nvSpPr>
+        <p:spPr bwMode="auto">
+          <a:xfrm>
+            <a:off x="307975" y="7937"/>
+            <a:ext cx="304800" cy="304801"/>
+          </a:xfrm>
+          <a:prstGeom prst="rect">
+            <a:avLst/>
+          </a:prstGeom>
+          <a:noFill/>
+          <a:extLst>
+            <a:ext uri="{909E8E84-426E-40DD-AFC4-6F175D3DCCD1}">
+              <a14:hiddenFill xmlns:a14="http://schemas.microsoft.com/office/drawing/2010/main">
+                <a:solidFill>
+                  <a:srgbClr val="FFFFFF"/>
+                </a:solidFill>
+              </a14:hiddenFill>
+            </a:ext>
+          </a:extLst>
+        </p:spPr>
+        <p:txBody>
+          <a:bodyPr vert="horz" wrap="square" lIns="91440" tIns="45720" rIns="91440" bIns="45720" numCol="1" anchor="t" anchorCtr="0" compatLnSpc="1">
+            <a:prstTxWarp prst="textNoShape">
+              <a:avLst/>
+            </a:prstTxWarp>
+          </a:bodyPr>
+          <a:lstStyle/>
+          <a:p>
+            <a:endParaRPr lang="en-US" dirty="0"/>
+          </a:p>
+        </p:txBody>
+      </p:sp>
+      <p:sp>
+        <p:nvSpPr>
+          <p:cNvPr id="4" name="AutoShape 4" descr="Image result for file"/>
+          <p:cNvSpPr>
+            <a:spLocks noChangeAspect="1" noChangeArrowheads="1"/>
+          </p:cNvSpPr>
+          <p:nvPr/>
+        </p:nvSpPr>
+        <p:spPr bwMode="auto">
+          <a:xfrm>
+            <a:off x="460375" y="160337"/>
+            <a:ext cx="304800" cy="304801"/>
+          </a:xfrm>
+          <a:prstGeom prst="rect">
+            <a:avLst/>
+          </a:prstGeom>
+          <a:noFill/>
+          <a:extLst>
+            <a:ext uri="{909E8E84-426E-40DD-AFC4-6F175D3DCCD1}">
+              <a14:hiddenFill xmlns:a14="http://schemas.microsoft.com/office/drawing/2010/main">
+                <a:solidFill>
+                  <a:srgbClr val="FFFFFF"/>
+                </a:solidFill>
+              </a14:hiddenFill>
+            </a:ext>
+          </a:extLst>
+        </p:spPr>
+        <p:txBody>
+          <a:bodyPr vert="horz" wrap="square" lIns="91440" tIns="45720" rIns="91440" bIns="45720" numCol="1" anchor="t" anchorCtr="0" compatLnSpc="1">
+            <a:prstTxWarp prst="textNoShape">
+              <a:avLst/>
+            </a:prstTxWarp>
+          </a:bodyPr>
+          <a:lstStyle/>
+          <a:p>
+            <a:endParaRPr lang="en-US" dirty="0"/>
+          </a:p>
+        </p:txBody>
+      </p:sp>
       <p:sp>
         <p:nvSpPr>
           <p:cNvPr id="5" name="Rounded Rectangle 4"/>
@@ -4814,7 +4858,7 @@
         </p:nvSpPr>
         <p:spPr>
           <a:xfrm>
-            <a:off x="5029200" y="1143000"/>
+            <a:off x="5029200" y="533400"/>
             <a:ext cx="3810000" cy="990600"/>
           </a:xfrm>
           <a:prstGeom prst="roundRect">
@@ -4863,7 +4907,7 @@
         </p:nvCxnSpPr>
         <p:spPr>
           <a:xfrm flipH="1">
-            <a:off x="2393950" y="4114800"/>
+            <a:off x="2181225" y="4229100"/>
             <a:ext cx="425450" cy="304800"/>
           </a:xfrm>
           <a:prstGeom prst="straightConnector1">
@@ -4896,7 +4940,7 @@
         </p:nvCxnSpPr>
         <p:spPr>
           <a:xfrm flipH="1">
-            <a:off x="7086600" y="2636770"/>
+            <a:off x="6950075" y="1981200"/>
             <a:ext cx="425450" cy="304800"/>
           </a:xfrm>
           <a:prstGeom prst="straightConnector1">
@@ -4929,7 +4973,7 @@
         </p:nvCxnSpPr>
         <p:spPr>
           <a:xfrm flipH="1">
-            <a:off x="6943725" y="3625715"/>
+            <a:off x="6877050" y="2919412"/>
             <a:ext cx="425450" cy="304800"/>
           </a:xfrm>
           <a:prstGeom prst="straightConnector1">
@@ -4954,16 +4998,49 @@
           </a:fontRef>
         </p:style>
       </p:cxnSp>
-      <p:sp>
-        <p:nvSpPr>
-          <p:cNvPr id="13" name="Rectangle 12"/>
+      <p:cxnSp>
+        <p:nvCxnSpPr>
+          <p:cNvPr id="14" name="Straight Arrow Connector 13"/>
+          <p:cNvCxnSpPr/>
+          <p:nvPr/>
+        </p:nvCxnSpPr>
+        <p:spPr>
+          <a:xfrm flipH="1">
+            <a:off x="6711950" y="3810000"/>
+            <a:ext cx="425450" cy="304800"/>
+          </a:xfrm>
+          <a:prstGeom prst="straightConnector1">
+            <a:avLst/>
+          </a:prstGeom>
+          <a:ln>
+            <a:tailEnd type="arrow"/>
+          </a:ln>
+        </p:spPr>
+        <p:style>
+          <a:lnRef idx="2">
+            <a:schemeClr val="accent2"/>
+          </a:lnRef>
+          <a:fillRef idx="0">
+            <a:schemeClr val="accent2"/>
+          </a:fillRef>
+          <a:effectRef idx="1">
+            <a:schemeClr val="accent2"/>
+          </a:effectRef>
+          <a:fontRef idx="minor">
+            <a:schemeClr val="tx1"/>
+          </a:fontRef>
+        </p:style>
+      </p:cxnSp>
+      <p:sp>
+        <p:nvSpPr>
+          <p:cNvPr id="15" name="Rectangle 14"/>
           <p:cNvSpPr/>
           <p:nvPr/>
         </p:nvSpPr>
         <p:spPr>
           <a:xfrm>
             <a:off x="1752600" y="35739"/>
-            <a:ext cx="5638800" cy="276999"/>
+            <a:ext cx="6019800" cy="276999"/>
           </a:xfrm>
           <a:prstGeom prst="rect">
             <a:avLst/>
@@ -5098,11 +5175,19 @@
             </a:r>
             <a:r>
               <a:rPr lang="en-US" sz="1200" dirty="0" smtClean="0"/>
-              <a:t>XML binding </a:t>
+              <a:t>XML binding framework – </a:t>
             </a:r>
             <a:r>
               <a:rPr lang="en-US" sz="1200" dirty="0" smtClean="0"/>
-              <a:t>framework – XML Configuration</a:t>
+              <a:t>Annotation</a:t>
+            </a:r>
+            <a:r>
+              <a:rPr lang="en-US" sz="1200" dirty="0" smtClean="0"/>
+              <a:t> </a:t>
+            </a:r>
+            <a:r>
+              <a:rPr lang="en-US" sz="1200" dirty="0" smtClean="0"/>
+              <a:t>Configuration</a:t>
             </a:r>
             <a:endParaRPr lang="en-US" sz="1200" dirty="0"/>
           </a:p>
@@ -5412,14 +5497,14 @@
       </p:sp>
       <p:sp>
         <p:nvSpPr>
-          <p:cNvPr id="10" name="Rectangle 9"/>
+          <p:cNvPr id="9" name="Rectangle 8"/>
           <p:cNvSpPr/>
           <p:nvPr/>
         </p:nvSpPr>
         <p:spPr>
           <a:xfrm>
             <a:off x="1752600" y="35739"/>
-            <a:ext cx="5638800" cy="276999"/>
+            <a:ext cx="6019800" cy="276999"/>
           </a:xfrm>
           <a:prstGeom prst="rect">
             <a:avLst/>
@@ -5554,11 +5639,19 @@
             </a:r>
             <a:r>
               <a:rPr lang="en-US" sz="1200" dirty="0" smtClean="0"/>
-              <a:t>XML binding </a:t>
+              <a:t>XML binding framework – </a:t>
             </a:r>
             <a:r>
               <a:rPr lang="en-US" sz="1200" dirty="0" smtClean="0"/>
-              <a:t>framework – XML Configuration</a:t>
+              <a:t>Annotation</a:t>
+            </a:r>
+            <a:r>
+              <a:rPr lang="en-US" sz="1200" dirty="0" smtClean="0"/>
+              <a:t> </a:t>
+            </a:r>
+            <a:r>
+              <a:rPr lang="en-US" sz="1200" dirty="0" smtClean="0"/>
+              <a:t>Configuration</a:t>
             </a:r>
             <a:endParaRPr lang="en-US" sz="1200" dirty="0"/>
           </a:p>
@@ -5838,14 +5931,14 @@
       </p:pic>
       <p:sp>
         <p:nvSpPr>
-          <p:cNvPr id="8" name="Rectangle 7"/>
+          <p:cNvPr id="9" name="Rectangle 8"/>
           <p:cNvSpPr/>
           <p:nvPr/>
         </p:nvSpPr>
         <p:spPr>
           <a:xfrm>
             <a:off x="1752600" y="35739"/>
-            <a:ext cx="5638800" cy="276999"/>
+            <a:ext cx="6019800" cy="276999"/>
           </a:xfrm>
           <a:prstGeom prst="rect">
             <a:avLst/>
@@ -5980,11 +6073,19 @@
             </a:r>
             <a:r>
               <a:rPr lang="en-US" sz="1200" dirty="0" smtClean="0"/>
-              <a:t>XML binding </a:t>
+              <a:t>XML binding framework – </a:t>
             </a:r>
             <a:r>
               <a:rPr lang="en-US" sz="1200" dirty="0" smtClean="0"/>
-              <a:t>framework – XML Configuration</a:t>
+              <a:t>Annotation</a:t>
+            </a:r>
+            <a:r>
+              <a:rPr lang="en-US" sz="1200" dirty="0" smtClean="0"/>
+              <a:t> </a:t>
+            </a:r>
+            <a:r>
+              <a:rPr lang="en-US" sz="1200" dirty="0" smtClean="0"/>
+              <a:t>Configuration</a:t>
             </a:r>
             <a:endParaRPr lang="en-US" sz="1200" dirty="0"/>
           </a:p>
@@ -6152,9 +6253,171 @@
           </a:p>
         </p:txBody>
       </p:sp>
+      <p:sp>
+        <p:nvSpPr>
+          <p:cNvPr id="9" name="Rectangle 8"/>
+          <p:cNvSpPr/>
+          <p:nvPr/>
+        </p:nvSpPr>
+        <p:spPr>
+          <a:xfrm>
+            <a:off x="1752600" y="35739"/>
+            <a:ext cx="6019800" cy="276999"/>
+          </a:xfrm>
+          <a:prstGeom prst="rect">
+            <a:avLst/>
+          </a:prstGeom>
+        </p:spPr>
+        <p:style>
+          <a:lnRef idx="1">
+            <a:schemeClr val="accent4"/>
+          </a:lnRef>
+          <a:fillRef idx="3">
+            <a:schemeClr val="accent4"/>
+          </a:fillRef>
+          <a:effectRef idx="2">
+            <a:schemeClr val="accent4"/>
+          </a:effectRef>
+          <a:fontRef idx="minor">
+            <a:schemeClr val="lt1"/>
+          </a:fontRef>
+        </p:style>
+        <p:txBody>
+          <a:bodyPr wrap="square">
+            <a:spAutoFit/>
+          </a:bodyPr>
+          <a:lstStyle>
+            <a:defPPr>
+              <a:defRPr lang="en-US"/>
+            </a:defPPr>
+            <a:lvl1pPr marL="0" algn="l" defTabSz="914400" rtl="0" eaLnBrk="1" latinLnBrk="0" hangingPunct="1">
+              <a:defRPr sz="1800" kern="1200">
+                <a:solidFill>
+                  <a:schemeClr val="lt1"/>
+                </a:solidFill>
+                <a:latin typeface="+mn-lt"/>
+                <a:ea typeface="+mn-ea"/>
+                <a:cs typeface="+mn-cs"/>
+              </a:defRPr>
+            </a:lvl1pPr>
+            <a:lvl2pPr marL="457200" algn="l" defTabSz="914400" rtl="0" eaLnBrk="1" latinLnBrk="0" hangingPunct="1">
+              <a:defRPr sz="1800" kern="1200">
+                <a:solidFill>
+                  <a:schemeClr val="lt1"/>
+                </a:solidFill>
+                <a:latin typeface="+mn-lt"/>
+                <a:ea typeface="+mn-ea"/>
+                <a:cs typeface="+mn-cs"/>
+              </a:defRPr>
+            </a:lvl2pPr>
+            <a:lvl3pPr marL="914400" algn="l" defTabSz="914400" rtl="0" eaLnBrk="1" latinLnBrk="0" hangingPunct="1">
+              <a:defRPr sz="1800" kern="1200">
+                <a:solidFill>
+                  <a:schemeClr val="lt1"/>
+                </a:solidFill>
+                <a:latin typeface="+mn-lt"/>
+                <a:ea typeface="+mn-ea"/>
+                <a:cs typeface="+mn-cs"/>
+              </a:defRPr>
+            </a:lvl3pPr>
+            <a:lvl4pPr marL="1371600" algn="l" defTabSz="914400" rtl="0" eaLnBrk="1" latinLnBrk="0" hangingPunct="1">
+              <a:defRPr sz="1800" kern="1200">
+                <a:solidFill>
+                  <a:schemeClr val="lt1"/>
+                </a:solidFill>
+                <a:latin typeface="+mn-lt"/>
+                <a:ea typeface="+mn-ea"/>
+                <a:cs typeface="+mn-cs"/>
+              </a:defRPr>
+            </a:lvl4pPr>
+            <a:lvl5pPr marL="1828800" algn="l" defTabSz="914400" rtl="0" eaLnBrk="1" latinLnBrk="0" hangingPunct="1">
+              <a:defRPr sz="1800" kern="1200">
+                <a:solidFill>
+                  <a:schemeClr val="lt1"/>
+                </a:solidFill>
+                <a:latin typeface="+mn-lt"/>
+                <a:ea typeface="+mn-ea"/>
+                <a:cs typeface="+mn-cs"/>
+              </a:defRPr>
+            </a:lvl5pPr>
+            <a:lvl6pPr marL="2286000" algn="l" defTabSz="914400" rtl="0" eaLnBrk="1" latinLnBrk="0" hangingPunct="1">
+              <a:defRPr sz="1800" kern="1200">
+                <a:solidFill>
+                  <a:schemeClr val="lt1"/>
+                </a:solidFill>
+                <a:latin typeface="+mn-lt"/>
+                <a:ea typeface="+mn-ea"/>
+                <a:cs typeface="+mn-cs"/>
+              </a:defRPr>
+            </a:lvl6pPr>
+            <a:lvl7pPr marL="2743200" algn="l" defTabSz="914400" rtl="0" eaLnBrk="1" latinLnBrk="0" hangingPunct="1">
+              <a:defRPr sz="1800" kern="1200">
+                <a:solidFill>
+                  <a:schemeClr val="lt1"/>
+                </a:solidFill>
+                <a:latin typeface="+mn-lt"/>
+                <a:ea typeface="+mn-ea"/>
+                <a:cs typeface="+mn-cs"/>
+              </a:defRPr>
+            </a:lvl7pPr>
+            <a:lvl8pPr marL="3200400" algn="l" defTabSz="914400" rtl="0" eaLnBrk="1" latinLnBrk="0" hangingPunct="1">
+              <a:defRPr sz="1800" kern="1200">
+                <a:solidFill>
+                  <a:schemeClr val="lt1"/>
+                </a:solidFill>
+                <a:latin typeface="+mn-lt"/>
+                <a:ea typeface="+mn-ea"/>
+                <a:cs typeface="+mn-cs"/>
+              </a:defRPr>
+            </a:lvl8pPr>
+            <a:lvl9pPr marL="3657600" algn="l" defTabSz="914400" rtl="0" eaLnBrk="1" latinLnBrk="0" hangingPunct="1">
+              <a:defRPr sz="1800" kern="1200">
+                <a:solidFill>
+                  <a:schemeClr val="lt1"/>
+                </a:solidFill>
+                <a:latin typeface="+mn-lt"/>
+                <a:ea typeface="+mn-ea"/>
+                <a:cs typeface="+mn-cs"/>
+              </a:defRPr>
+            </a:lvl9pPr>
+          </a:lstStyle>
+          <a:p>
+            <a:pPr algn="ctr"/>
+            <a:r>
+              <a:rPr lang="en-US" sz="1200" dirty="0"/>
+              <a:t>Spring Object/XML </a:t>
+            </a:r>
+            <a:r>
+              <a:rPr lang="en-US" sz="1200" dirty="0" smtClean="0"/>
+              <a:t>mapping using </a:t>
+            </a:r>
+            <a:r>
+              <a:rPr lang="en-US" sz="1200" dirty="0"/>
+              <a:t>Castor </a:t>
+            </a:r>
+            <a:r>
+              <a:rPr lang="en-US" sz="1200" dirty="0" smtClean="0"/>
+              <a:t>XML binding framework – </a:t>
+            </a:r>
+            <a:r>
+              <a:rPr lang="en-US" sz="1200" dirty="0" smtClean="0"/>
+              <a:t>Annotation</a:t>
+            </a:r>
+            <a:r>
+              <a:rPr lang="en-US" sz="1200" dirty="0" smtClean="0"/>
+              <a:t> </a:t>
+            </a:r>
+            <a:r>
+              <a:rPr lang="en-US" sz="1200" dirty="0" smtClean="0"/>
+              <a:t>Configuration</a:t>
+            </a:r>
+            <a:endParaRPr lang="en-US" sz="1200" dirty="0"/>
+          </a:p>
+        </p:txBody>
+      </p:sp>
       <p:pic>
         <p:nvPicPr>
-          <p:cNvPr id="4098" name="Picture 2"/>
+          <p:cNvPr id="2050" name="Picture 2"/>
           <p:cNvPicPr>
             <a:picLocks noChangeAspect="1" noChangeArrowheads="1"/>
           </p:cNvPicPr>
@@ -6175,8 +6438,8 @@
         </p:blipFill>
         <p:spPr bwMode="auto">
           <a:xfrm>
-            <a:off x="685800" y="1143000"/>
-            <a:ext cx="7039191" cy="2571750"/>
+            <a:off x="306387" y="465138"/>
+            <a:ext cx="5178425" cy="4411662"/>
           </a:xfrm>
           <a:prstGeom prst="rect">
             <a:avLst/>
@@ -6200,14 +6463,14 @@
       </p:pic>
       <p:cxnSp>
         <p:nvCxnSpPr>
-          <p:cNvPr id="6" name="Straight Arrow Connector 5"/>
+          <p:cNvPr id="8" name="Straight Arrow Connector 7"/>
           <p:cNvCxnSpPr/>
           <p:nvPr/>
         </p:nvCxnSpPr>
         <p:spPr>
-          <a:xfrm flipV="1">
-            <a:off x="6096000" y="3124200"/>
-            <a:ext cx="76200" cy="990600"/>
+          <a:xfrm flipH="1">
+            <a:off x="3485356" y="3962400"/>
+            <a:ext cx="858044" cy="76200"/>
           </a:xfrm>
           <a:prstGeom prst="straightConnector1">
             <a:avLst/>
@@ -6231,212 +6494,6 @@
           </a:fontRef>
         </p:style>
       </p:cxnSp>
-      <p:sp>
-        <p:nvSpPr>
-          <p:cNvPr id="7" name="Rounded Rectangular Callout 6"/>
-          <p:cNvSpPr/>
-          <p:nvPr/>
-        </p:nvSpPr>
-        <p:spPr>
-          <a:xfrm>
-            <a:off x="6324600" y="1982724"/>
-            <a:ext cx="2514600" cy="612648"/>
-          </a:xfrm>
-          <a:prstGeom prst="wedgeRoundRectCallout">
-            <a:avLst>
-              <a:gd name="adj1" fmla="val -21833"/>
-              <a:gd name="adj2" fmla="val 81157"/>
-              <a:gd name="adj3" fmla="val 16667"/>
-            </a:avLst>
-          </a:prstGeom>
-        </p:spPr>
-        <p:style>
-          <a:lnRef idx="1">
-            <a:schemeClr val="accent3"/>
-          </a:lnRef>
-          <a:fillRef idx="2">
-            <a:schemeClr val="accent3"/>
-          </a:fillRef>
-          <a:effectRef idx="1">
-            <a:schemeClr val="accent3"/>
-          </a:effectRef>
-          <a:fontRef idx="minor">
-            <a:schemeClr val="dk1"/>
-          </a:fontRef>
-        </p:style>
-        <p:txBody>
-          <a:bodyPr rtlCol="0" anchor="ctr"/>
-          <a:lstStyle/>
-          <a:p>
-            <a:r>
-              <a:rPr lang="en-US" sz="1200" dirty="0"/>
-              <a:t>In Spring’s bean configuration file, inject </a:t>
-            </a:r>
-            <a:r>
-              <a:rPr lang="en-US" sz="1200" b="1" dirty="0"/>
-              <a:t>CastorMarshaller</a:t>
-            </a:r>
-            <a:r>
-              <a:rPr lang="en-US" sz="1200" dirty="0"/>
-              <a:t> as the XML binding framework.</a:t>
-            </a:r>
-          </a:p>
-        </p:txBody>
-      </p:sp>
-      <p:sp>
-        <p:nvSpPr>
-          <p:cNvPr id="10" name="Rectangle 9"/>
-          <p:cNvSpPr/>
-          <p:nvPr/>
-        </p:nvSpPr>
-        <p:spPr>
-          <a:xfrm>
-            <a:off x="1752600" y="35739"/>
-            <a:ext cx="5638800" cy="276999"/>
-          </a:xfrm>
-          <a:prstGeom prst="rect">
-            <a:avLst/>
-          </a:prstGeom>
-        </p:spPr>
-        <p:style>
-          <a:lnRef idx="1">
-            <a:schemeClr val="accent4"/>
-          </a:lnRef>
-          <a:fillRef idx="3">
-            <a:schemeClr val="accent4"/>
-          </a:fillRef>
-          <a:effectRef idx="2">
-            <a:schemeClr val="accent4"/>
-          </a:effectRef>
-          <a:fontRef idx="minor">
-            <a:schemeClr val="lt1"/>
-          </a:fontRef>
-        </p:style>
-        <p:txBody>
-          <a:bodyPr wrap="square">
-            <a:spAutoFit/>
-          </a:bodyPr>
-          <a:lstStyle>
-            <a:defPPr>
-              <a:defRPr lang="en-US"/>
-            </a:defPPr>
-            <a:lvl1pPr marL="0" algn="l" defTabSz="914400" rtl="0" eaLnBrk="1" latinLnBrk="0" hangingPunct="1">
-              <a:defRPr sz="1800" kern="1200">
-                <a:solidFill>
-                  <a:schemeClr val="lt1"/>
-                </a:solidFill>
-                <a:latin typeface="+mn-lt"/>
-                <a:ea typeface="+mn-ea"/>
-                <a:cs typeface="+mn-cs"/>
-              </a:defRPr>
-            </a:lvl1pPr>
-            <a:lvl2pPr marL="457200" algn="l" defTabSz="914400" rtl="0" eaLnBrk="1" latinLnBrk="0" hangingPunct="1">
-              <a:defRPr sz="1800" kern="1200">
-                <a:solidFill>
-                  <a:schemeClr val="lt1"/>
-                </a:solidFill>
-                <a:latin typeface="+mn-lt"/>
-                <a:ea typeface="+mn-ea"/>
-                <a:cs typeface="+mn-cs"/>
-              </a:defRPr>
-            </a:lvl2pPr>
-            <a:lvl3pPr marL="914400" algn="l" defTabSz="914400" rtl="0" eaLnBrk="1" latinLnBrk="0" hangingPunct="1">
-              <a:defRPr sz="1800" kern="1200">
-                <a:solidFill>
-                  <a:schemeClr val="lt1"/>
-                </a:solidFill>
-                <a:latin typeface="+mn-lt"/>
-                <a:ea typeface="+mn-ea"/>
-                <a:cs typeface="+mn-cs"/>
-              </a:defRPr>
-            </a:lvl3pPr>
-            <a:lvl4pPr marL="1371600" algn="l" defTabSz="914400" rtl="0" eaLnBrk="1" latinLnBrk="0" hangingPunct="1">
-              <a:defRPr sz="1800" kern="1200">
-                <a:solidFill>
-                  <a:schemeClr val="lt1"/>
-                </a:solidFill>
-                <a:latin typeface="+mn-lt"/>
-                <a:ea typeface="+mn-ea"/>
-                <a:cs typeface="+mn-cs"/>
-              </a:defRPr>
-            </a:lvl4pPr>
-            <a:lvl5pPr marL="1828800" algn="l" defTabSz="914400" rtl="0" eaLnBrk="1" latinLnBrk="0" hangingPunct="1">
-              <a:defRPr sz="1800" kern="1200">
-                <a:solidFill>
-                  <a:schemeClr val="lt1"/>
-                </a:solidFill>
-                <a:latin typeface="+mn-lt"/>
-                <a:ea typeface="+mn-ea"/>
-                <a:cs typeface="+mn-cs"/>
-              </a:defRPr>
-            </a:lvl5pPr>
-            <a:lvl6pPr marL="2286000" algn="l" defTabSz="914400" rtl="0" eaLnBrk="1" latinLnBrk="0" hangingPunct="1">
-              <a:defRPr sz="1800" kern="1200">
-                <a:solidFill>
-                  <a:schemeClr val="lt1"/>
-                </a:solidFill>
-                <a:latin typeface="+mn-lt"/>
-                <a:ea typeface="+mn-ea"/>
-                <a:cs typeface="+mn-cs"/>
-              </a:defRPr>
-            </a:lvl6pPr>
-            <a:lvl7pPr marL="2743200" algn="l" defTabSz="914400" rtl="0" eaLnBrk="1" latinLnBrk="0" hangingPunct="1">
-              <a:defRPr sz="1800" kern="1200">
-                <a:solidFill>
-                  <a:schemeClr val="lt1"/>
-                </a:solidFill>
-                <a:latin typeface="+mn-lt"/>
-                <a:ea typeface="+mn-ea"/>
-                <a:cs typeface="+mn-cs"/>
-              </a:defRPr>
-            </a:lvl7pPr>
-            <a:lvl8pPr marL="3200400" algn="l" defTabSz="914400" rtl="0" eaLnBrk="1" latinLnBrk="0" hangingPunct="1">
-              <a:defRPr sz="1800" kern="1200">
-                <a:solidFill>
-                  <a:schemeClr val="lt1"/>
-                </a:solidFill>
-                <a:latin typeface="+mn-lt"/>
-                <a:ea typeface="+mn-ea"/>
-                <a:cs typeface="+mn-cs"/>
-              </a:defRPr>
-            </a:lvl8pPr>
-            <a:lvl9pPr marL="3657600" algn="l" defTabSz="914400" rtl="0" eaLnBrk="1" latinLnBrk="0" hangingPunct="1">
-              <a:defRPr sz="1800" kern="1200">
-                <a:solidFill>
-                  <a:schemeClr val="lt1"/>
-                </a:solidFill>
-                <a:latin typeface="+mn-lt"/>
-                <a:ea typeface="+mn-ea"/>
-                <a:cs typeface="+mn-cs"/>
-              </a:defRPr>
-            </a:lvl9pPr>
-          </a:lstStyle>
-          <a:p>
-            <a:pPr algn="ctr"/>
-            <a:r>
-              <a:rPr lang="en-US" sz="1200" dirty="0"/>
-              <a:t>Spring Object/XML </a:t>
-            </a:r>
-            <a:r>
-              <a:rPr lang="en-US" sz="1200" dirty="0" smtClean="0"/>
-              <a:t>mapping using </a:t>
-            </a:r>
-            <a:r>
-              <a:rPr lang="en-US" sz="1200" dirty="0"/>
-              <a:t>Castor </a:t>
-            </a:r>
-            <a:r>
-              <a:rPr lang="en-US" sz="1200" dirty="0" smtClean="0"/>
-              <a:t>XML binding </a:t>
-            </a:r>
-            <a:r>
-              <a:rPr lang="en-US" sz="1200" dirty="0" smtClean="0"/>
-              <a:t>framework – XML Configuration</a:t>
-            </a:r>
-            <a:endParaRPr lang="en-US" sz="1200" dirty="0"/>
-          </a:p>
-        </p:txBody>
-      </p:sp>
     </p:spTree>
     <p:extLst>
       <p:ext uri="{BB962C8B-B14F-4D97-AF65-F5344CB8AC3E}">
@@ -6601,44 +6658,14 @@
       </p:sp>
       <p:sp>
         <p:nvSpPr>
-          <p:cNvPr id="5" name="TextBox 4"/>
-          <p:cNvSpPr txBox="1"/>
-          <p:nvPr/>
-        </p:nvSpPr>
-        <p:spPr>
-          <a:xfrm>
-            <a:off x="3200400" y="1752600"/>
-            <a:ext cx="2370008" cy="369332"/>
-          </a:xfrm>
-          <a:prstGeom prst="rect">
-            <a:avLst/>
-          </a:prstGeom>
-          <a:noFill/>
-        </p:spPr>
-        <p:txBody>
-          <a:bodyPr wrap="none" rtlCol="0">
-            <a:spAutoFit/>
-          </a:bodyPr>
-          <a:lstStyle/>
-          <a:p>
-            <a:r>
-              <a:rPr lang="en-US" dirty="0" smtClean="0"/>
-              <a:t>Add for caster property</a:t>
-            </a:r>
-            <a:endParaRPr lang="en-US" dirty="0"/>
-          </a:p>
-        </p:txBody>
-      </p:sp>
-      <p:sp>
-        <p:nvSpPr>
-          <p:cNvPr id="10" name="Rectangle 9"/>
+          <p:cNvPr id="7" name="Rectangle 6"/>
           <p:cNvSpPr/>
           <p:nvPr/>
         </p:nvSpPr>
         <p:spPr>
           <a:xfrm>
             <a:off x="1752600" y="35739"/>
-            <a:ext cx="5638800" cy="276999"/>
+            <a:ext cx="6019800" cy="276999"/>
           </a:xfrm>
           <a:prstGeom prst="rect">
             <a:avLst/>
@@ -6773,16 +6800,88 @@
             </a:r>
             <a:r>
               <a:rPr lang="en-US" sz="1200" dirty="0" smtClean="0"/>
-              <a:t>XML binding </a:t>
+              <a:t>XML binding framework – </a:t>
             </a:r>
             <a:r>
               <a:rPr lang="en-US" sz="1200" dirty="0" smtClean="0"/>
-              <a:t>framework – XML Configuration</a:t>
+              <a:t>Annotation</a:t>
+            </a:r>
+            <a:r>
+              <a:rPr lang="en-US" sz="1200" dirty="0" smtClean="0"/>
+              <a:t> </a:t>
+            </a:r>
+            <a:r>
+              <a:rPr lang="en-US" sz="1200" dirty="0" smtClean="0"/>
+              <a:t>Configuration</a:t>
             </a:r>
             <a:endParaRPr lang="en-US" sz="1200" dirty="0"/>
           </a:p>
         </p:txBody>
       </p:sp>
+      <p:pic>
+        <p:nvPicPr>
+          <p:cNvPr id="3074" name="Picture 2"/>
+          <p:cNvPicPr>
+            <a:picLocks noChangeAspect="1" noChangeArrowheads="1"/>
+          </p:cNvPicPr>
+          <p:nvPr/>
+        </p:nvPicPr>
+        <p:blipFill>
+          <a:blip r:embed="rId3">
+            <a:extLst>
+              <a:ext uri="{28A0092B-C50C-407E-A947-70E740481C1C}">
+                <a14:useLocalDpi xmlns:a14="http://schemas.microsoft.com/office/drawing/2010/main" val="0"/>
+              </a:ext>
+            </a:extLst>
+          </a:blip>
+          <a:srcRect/>
+          <a:stretch>
+            <a:fillRect/>
+          </a:stretch>
+        </p:blipFill>
+        <p:spPr bwMode="auto">
+          <a:xfrm>
+            <a:off x="746125" y="1524000"/>
+            <a:ext cx="8031163" cy="1828800"/>
+          </a:xfrm>
+          <a:prstGeom prst="rect">
+            <a:avLst/>
+          </a:prstGeom>
+          <a:noFill/>
+          <a:ln>
+            <a:noFill/>
+          </a:ln>
+          <a:effectLst/>
+          <a:extLst>
+            <a:ext uri="{909E8E84-426E-40DD-AFC4-6F175D3DCCD1}">
+              <a14:hiddenFill xmlns:a14="http://schemas.microsoft.com/office/drawing/2010/main">
+                <a:solidFill>
+                  <a:schemeClr val="accent1"/>
+                </a:solidFill>
+              </a14:hiddenFill>
+            </a:ext>
+            <a:ext uri="{91240B29-F687-4F45-9708-019B960494DF}">
+              <a14:hiddenLine xmlns:a14="http://schemas.microsoft.com/office/drawing/2010/main" w="9525">
+                <a:solidFill>
+                  <a:schemeClr val="tx1"/>
+                </a:solidFill>
+                <a:miter lim="800000"/>
+                <a:headEnd/>
+                <a:tailEnd/>
+              </a14:hiddenLine>
+            </a:ext>
+            <a:ext uri="{AF507438-7753-43E0-B8FC-AC1667EBCBE1}">
+              <a14:hiddenEffects xmlns:a14="http://schemas.microsoft.com/office/drawing/2010/main">
+                <a:effectLst>
+                  <a:outerShdw dist="35921" dir="2700000" algn="ctr" rotWithShape="0">
+                    <a:schemeClr val="bg2"/>
+                  </a:outerShdw>
+                </a:effectLst>
+              </a14:hiddenEffects>
+            </a:ext>
+          </a:extLst>
+        </p:spPr>
+      </p:pic>
     </p:spTree>
     <p:extLst>
       <p:ext uri="{BB962C8B-B14F-4D97-AF65-F5344CB8AC3E}">
@@ -6945,9 +7044,171 @@
           </a:p>
         </p:txBody>
       </p:sp>
+      <p:sp>
+        <p:nvSpPr>
+          <p:cNvPr id="8" name="Rectangle 7"/>
+          <p:cNvSpPr/>
+          <p:nvPr/>
+        </p:nvSpPr>
+        <p:spPr>
+          <a:xfrm>
+            <a:off x="1752600" y="35739"/>
+            <a:ext cx="6019800" cy="276999"/>
+          </a:xfrm>
+          <a:prstGeom prst="rect">
+            <a:avLst/>
+          </a:prstGeom>
+        </p:spPr>
+        <p:style>
+          <a:lnRef idx="1">
+            <a:schemeClr val="accent4"/>
+          </a:lnRef>
+          <a:fillRef idx="3">
+            <a:schemeClr val="accent4"/>
+          </a:fillRef>
+          <a:effectRef idx="2">
+            <a:schemeClr val="accent4"/>
+          </a:effectRef>
+          <a:fontRef idx="minor">
+            <a:schemeClr val="lt1"/>
+          </a:fontRef>
+        </p:style>
+        <p:txBody>
+          <a:bodyPr wrap="square">
+            <a:spAutoFit/>
+          </a:bodyPr>
+          <a:lstStyle>
+            <a:defPPr>
+              <a:defRPr lang="en-US"/>
+            </a:defPPr>
+            <a:lvl1pPr marL="0" algn="l" defTabSz="914400" rtl="0" eaLnBrk="1" latinLnBrk="0" hangingPunct="1">
+              <a:defRPr sz="1800" kern="1200">
+                <a:solidFill>
+                  <a:schemeClr val="lt1"/>
+                </a:solidFill>
+                <a:latin typeface="+mn-lt"/>
+                <a:ea typeface="+mn-ea"/>
+                <a:cs typeface="+mn-cs"/>
+              </a:defRPr>
+            </a:lvl1pPr>
+            <a:lvl2pPr marL="457200" algn="l" defTabSz="914400" rtl="0" eaLnBrk="1" latinLnBrk="0" hangingPunct="1">
+              <a:defRPr sz="1800" kern="1200">
+                <a:solidFill>
+                  <a:schemeClr val="lt1"/>
+                </a:solidFill>
+                <a:latin typeface="+mn-lt"/>
+                <a:ea typeface="+mn-ea"/>
+                <a:cs typeface="+mn-cs"/>
+              </a:defRPr>
+            </a:lvl2pPr>
+            <a:lvl3pPr marL="914400" algn="l" defTabSz="914400" rtl="0" eaLnBrk="1" latinLnBrk="0" hangingPunct="1">
+              <a:defRPr sz="1800" kern="1200">
+                <a:solidFill>
+                  <a:schemeClr val="lt1"/>
+                </a:solidFill>
+                <a:latin typeface="+mn-lt"/>
+                <a:ea typeface="+mn-ea"/>
+                <a:cs typeface="+mn-cs"/>
+              </a:defRPr>
+            </a:lvl3pPr>
+            <a:lvl4pPr marL="1371600" algn="l" defTabSz="914400" rtl="0" eaLnBrk="1" latinLnBrk="0" hangingPunct="1">
+              <a:defRPr sz="1800" kern="1200">
+                <a:solidFill>
+                  <a:schemeClr val="lt1"/>
+                </a:solidFill>
+                <a:latin typeface="+mn-lt"/>
+                <a:ea typeface="+mn-ea"/>
+                <a:cs typeface="+mn-cs"/>
+              </a:defRPr>
+            </a:lvl4pPr>
+            <a:lvl5pPr marL="1828800" algn="l" defTabSz="914400" rtl="0" eaLnBrk="1" latinLnBrk="0" hangingPunct="1">
+              <a:defRPr sz="1800" kern="1200">
+                <a:solidFill>
+                  <a:schemeClr val="lt1"/>
+                </a:solidFill>
+                <a:latin typeface="+mn-lt"/>
+                <a:ea typeface="+mn-ea"/>
+                <a:cs typeface="+mn-cs"/>
+              </a:defRPr>
+            </a:lvl5pPr>
+            <a:lvl6pPr marL="2286000" algn="l" defTabSz="914400" rtl="0" eaLnBrk="1" latinLnBrk="0" hangingPunct="1">
+              <a:defRPr sz="1800" kern="1200">
+                <a:solidFill>
+                  <a:schemeClr val="lt1"/>
+                </a:solidFill>
+                <a:latin typeface="+mn-lt"/>
+                <a:ea typeface="+mn-ea"/>
+                <a:cs typeface="+mn-cs"/>
+              </a:defRPr>
+            </a:lvl6pPr>
+            <a:lvl7pPr marL="2743200" algn="l" defTabSz="914400" rtl="0" eaLnBrk="1" latinLnBrk="0" hangingPunct="1">
+              <a:defRPr sz="1800" kern="1200">
+                <a:solidFill>
+                  <a:schemeClr val="lt1"/>
+                </a:solidFill>
+                <a:latin typeface="+mn-lt"/>
+                <a:ea typeface="+mn-ea"/>
+                <a:cs typeface="+mn-cs"/>
+              </a:defRPr>
+            </a:lvl7pPr>
+            <a:lvl8pPr marL="3200400" algn="l" defTabSz="914400" rtl="0" eaLnBrk="1" latinLnBrk="0" hangingPunct="1">
+              <a:defRPr sz="1800" kern="1200">
+                <a:solidFill>
+                  <a:schemeClr val="lt1"/>
+                </a:solidFill>
+                <a:latin typeface="+mn-lt"/>
+                <a:ea typeface="+mn-ea"/>
+                <a:cs typeface="+mn-cs"/>
+              </a:defRPr>
+            </a:lvl8pPr>
+            <a:lvl9pPr marL="3657600" algn="l" defTabSz="914400" rtl="0" eaLnBrk="1" latinLnBrk="0" hangingPunct="1">
+              <a:defRPr sz="1800" kern="1200">
+                <a:solidFill>
+                  <a:schemeClr val="lt1"/>
+                </a:solidFill>
+                <a:latin typeface="+mn-lt"/>
+                <a:ea typeface="+mn-ea"/>
+                <a:cs typeface="+mn-cs"/>
+              </a:defRPr>
+            </a:lvl9pPr>
+          </a:lstStyle>
+          <a:p>
+            <a:pPr algn="ctr"/>
+            <a:r>
+              <a:rPr lang="en-US" sz="1200" dirty="0"/>
+              <a:t>Spring Object/XML </a:t>
+            </a:r>
+            <a:r>
+              <a:rPr lang="en-US" sz="1200" dirty="0" smtClean="0"/>
+              <a:t>mapping using </a:t>
+            </a:r>
+            <a:r>
+              <a:rPr lang="en-US" sz="1200" dirty="0"/>
+              <a:t>Castor </a:t>
+            </a:r>
+            <a:r>
+              <a:rPr lang="en-US" sz="1200" dirty="0" smtClean="0"/>
+              <a:t>XML binding framework – </a:t>
+            </a:r>
+            <a:r>
+              <a:rPr lang="en-US" sz="1200" dirty="0" smtClean="0"/>
+              <a:t>Annotation</a:t>
+            </a:r>
+            <a:r>
+              <a:rPr lang="en-US" sz="1200" dirty="0" smtClean="0"/>
+              <a:t> </a:t>
+            </a:r>
+            <a:r>
+              <a:rPr lang="en-US" sz="1200" dirty="0" smtClean="0"/>
+              <a:t>Configuration</a:t>
+            </a:r>
+            <a:endParaRPr lang="en-US" sz="1200" dirty="0"/>
+          </a:p>
+        </p:txBody>
+      </p:sp>
       <p:pic>
         <p:nvPicPr>
-          <p:cNvPr id="5122" name="Picture 2"/>
+          <p:cNvPr id="4098" name="Picture 2"/>
           <p:cNvPicPr>
             <a:picLocks noChangeAspect="1" noChangeArrowheads="1"/>
           </p:cNvPicPr>
@@ -6968,8 +7229,8 @@
         </p:blipFill>
         <p:spPr bwMode="auto">
           <a:xfrm>
-            <a:off x="19049" y="465138"/>
-            <a:ext cx="5086351" cy="4396518"/>
+            <a:off x="155575" y="428123"/>
+            <a:ext cx="5983287" cy="4372477"/>
           </a:xfrm>
           <a:prstGeom prst="rect">
             <a:avLst/>
@@ -6991,160 +7252,6 @@
           </a:fontRef>
         </p:style>
       </p:pic>
-      <p:sp>
-        <p:nvSpPr>
-          <p:cNvPr id="7" name="Rectangle 6"/>
-          <p:cNvSpPr/>
-          <p:nvPr/>
-        </p:nvSpPr>
-        <p:spPr>
-          <a:xfrm>
-            <a:off x="1752600" y="35739"/>
-            <a:ext cx="5638800" cy="276999"/>
-          </a:xfrm>
-          <a:prstGeom prst="rect">
-            <a:avLst/>
-          </a:prstGeom>
-        </p:spPr>
-        <p:style>
-          <a:lnRef idx="1">
-            <a:schemeClr val="accent4"/>
-          </a:lnRef>
-          <a:fillRef idx="3">
-            <a:schemeClr val="accent4"/>
-          </a:fillRef>
-          <a:effectRef idx="2">
-            <a:schemeClr val="accent4"/>
-          </a:effectRef>
-          <a:fontRef idx="minor">
-            <a:schemeClr val="lt1"/>
-          </a:fontRef>
-        </p:style>
-        <p:txBody>
-          <a:bodyPr wrap="square">
-            <a:spAutoFit/>
-          </a:bodyPr>
-          <a:lstStyle>
-            <a:defPPr>
-              <a:defRPr lang="en-US"/>
-            </a:defPPr>
-            <a:lvl1pPr marL="0" algn="l" defTabSz="914400" rtl="0" eaLnBrk="1" latinLnBrk="0" hangingPunct="1">
-              <a:defRPr sz="1800" kern="1200">
-                <a:solidFill>
-                  <a:schemeClr val="lt1"/>
-                </a:solidFill>
-                <a:latin typeface="+mn-lt"/>
-                <a:ea typeface="+mn-ea"/>
-                <a:cs typeface="+mn-cs"/>
-              </a:defRPr>
-            </a:lvl1pPr>
-            <a:lvl2pPr marL="457200" algn="l" defTabSz="914400" rtl="0" eaLnBrk="1" latinLnBrk="0" hangingPunct="1">
-              <a:defRPr sz="1800" kern="1200">
-                <a:solidFill>
-                  <a:schemeClr val="lt1"/>
-                </a:solidFill>
-                <a:latin typeface="+mn-lt"/>
-                <a:ea typeface="+mn-ea"/>
-                <a:cs typeface="+mn-cs"/>
-              </a:defRPr>
-            </a:lvl2pPr>
-            <a:lvl3pPr marL="914400" algn="l" defTabSz="914400" rtl="0" eaLnBrk="1" latinLnBrk="0" hangingPunct="1">
-              <a:defRPr sz="1800" kern="1200">
-                <a:solidFill>
-                  <a:schemeClr val="lt1"/>
-                </a:solidFill>
-                <a:latin typeface="+mn-lt"/>
-                <a:ea typeface="+mn-ea"/>
-                <a:cs typeface="+mn-cs"/>
-              </a:defRPr>
-            </a:lvl3pPr>
-            <a:lvl4pPr marL="1371600" algn="l" defTabSz="914400" rtl="0" eaLnBrk="1" latinLnBrk="0" hangingPunct="1">
-              <a:defRPr sz="1800" kern="1200">
-                <a:solidFill>
-                  <a:schemeClr val="lt1"/>
-                </a:solidFill>
-                <a:latin typeface="+mn-lt"/>
-                <a:ea typeface="+mn-ea"/>
-                <a:cs typeface="+mn-cs"/>
-              </a:defRPr>
-            </a:lvl4pPr>
-            <a:lvl5pPr marL="1828800" algn="l" defTabSz="914400" rtl="0" eaLnBrk="1" latinLnBrk="0" hangingPunct="1">
-              <a:defRPr sz="1800" kern="1200">
-                <a:solidFill>
-                  <a:schemeClr val="lt1"/>
-                </a:solidFill>
-                <a:latin typeface="+mn-lt"/>
-                <a:ea typeface="+mn-ea"/>
-                <a:cs typeface="+mn-cs"/>
-              </a:defRPr>
-            </a:lvl5pPr>
-            <a:lvl6pPr marL="2286000" algn="l" defTabSz="914400" rtl="0" eaLnBrk="1" latinLnBrk="0" hangingPunct="1">
-              <a:defRPr sz="1800" kern="1200">
-                <a:solidFill>
-                  <a:schemeClr val="lt1"/>
-                </a:solidFill>
-                <a:latin typeface="+mn-lt"/>
-                <a:ea typeface="+mn-ea"/>
-                <a:cs typeface="+mn-cs"/>
-              </a:defRPr>
-            </a:lvl6pPr>
-            <a:lvl7pPr marL="2743200" algn="l" defTabSz="914400" rtl="0" eaLnBrk="1" latinLnBrk="0" hangingPunct="1">
-              <a:defRPr sz="1800" kern="1200">
-                <a:solidFill>
-                  <a:schemeClr val="lt1"/>
-                </a:solidFill>
-                <a:latin typeface="+mn-lt"/>
-                <a:ea typeface="+mn-ea"/>
-                <a:cs typeface="+mn-cs"/>
-              </a:defRPr>
-            </a:lvl7pPr>
-            <a:lvl8pPr marL="3200400" algn="l" defTabSz="914400" rtl="0" eaLnBrk="1" latinLnBrk="0" hangingPunct="1">
-              <a:defRPr sz="1800" kern="1200">
-                <a:solidFill>
-                  <a:schemeClr val="lt1"/>
-                </a:solidFill>
-                <a:latin typeface="+mn-lt"/>
-                <a:ea typeface="+mn-ea"/>
-                <a:cs typeface="+mn-cs"/>
-              </a:defRPr>
-            </a:lvl8pPr>
-            <a:lvl9pPr marL="3657600" algn="l" defTabSz="914400" rtl="0" eaLnBrk="1" latinLnBrk="0" hangingPunct="1">
-              <a:defRPr sz="1800" kern="1200">
-                <a:solidFill>
-                  <a:schemeClr val="lt1"/>
-                </a:solidFill>
-                <a:latin typeface="+mn-lt"/>
-                <a:ea typeface="+mn-ea"/>
-                <a:cs typeface="+mn-cs"/>
-              </a:defRPr>
-            </a:lvl9pPr>
-          </a:lstStyle>
-          <a:p>
-            <a:pPr algn="ctr"/>
-            <a:r>
-              <a:rPr lang="en-US" sz="1200" dirty="0"/>
-              <a:t>Spring Object/XML </a:t>
-            </a:r>
-            <a:r>
-              <a:rPr lang="en-US" sz="1200" dirty="0" smtClean="0"/>
-              <a:t>mapping using </a:t>
-            </a:r>
-            <a:r>
-              <a:rPr lang="en-US" sz="1200" dirty="0"/>
-              <a:t>Castor </a:t>
-            </a:r>
-            <a:r>
-              <a:rPr lang="en-US" sz="1200" dirty="0" smtClean="0"/>
-              <a:t>XML binding </a:t>
-            </a:r>
-            <a:r>
-              <a:rPr lang="en-US" sz="1200" dirty="0" smtClean="0"/>
-              <a:t>framework – XML Configuration</a:t>
-            </a:r>
-            <a:endParaRPr lang="en-US" sz="1200" dirty="0"/>
-          </a:p>
-        </p:txBody>
-      </p:sp>
     </p:spTree>
     <p:extLst>
       <p:ext uri="{BB962C8B-B14F-4D97-AF65-F5344CB8AC3E}">
@@ -7190,126 +7297,9 @@
           <a:chExt cx="0" cy="0"/>
         </a:xfrm>
       </p:grpSpPr>
-      <p:sp>
-        <p:nvSpPr>
-          <p:cNvPr id="3" name="AutoShape 2" descr="data:image/png;base64,iVBORw0KGgoAAAANSUhEUgAAANEAAADxCAMAAABiSKLrAAAAbFBMVEWIiIj////6+vr29vb19fX4+Pj5+fnu7u77+/v39/f9/f3z8/P+/v709PT8/Pyqqqrt7e3v7+/w8PDx8fHy8vK+vr7Q0NCjo6OBgYHY2Njk5OTHx8eNjY3c3NzGxsbn5+eWlpa1tbWcnJx6enob4+f+AAAIqklEQVR4nO3dCZuaOhQGYEZAh0FkX2W1//8/lkVMICeIkRmOPHz22lYg5OVEZLFzJRNrnC+xSGt3nJvQekMUYktnEiM1ouDrjCs/pukLkzoRtpjmNRcloRUFoiS8oo5UvLwsYpEgCaXoHLYiMRJqkRAJt0iEhFwkQMIqCgJRElpRLErCL3r1oxavSJSEWCRIQikyOtGQNPd8CaXICc04FiXhFomQkIsESChFbmhmwiT0opf3eBivMzSjLuORnh49oKxRKxIloayR24oESShFRScSI6EUJaGZCJNwiwhp/skFcpFAlbCLXiehF71MQisSJiEVVYkwqRP9oEpXI1HSXXRuWjo/2jz3f3v8YfjS7871lbU1EiT1IjrAKrvX/2iurzisijkk8OQC5ah7iERIyEUCJOyi10noRU9J490DUpFPRAApniJhFVnzSaOdOF6RKAmlKGhFgiTMohdIyYeIhEh30aV99E9NLo8VXLqn++Q/mIuIREid6DJsv32s91Ityi1hEtJRl5+ESX2NMKUR2ZYoCbNIjIRV5FiiJIyicx7mriVEKnCKfvxadBIloRQ1NTqJkcICpcgPr7rjOPYJZnFNbZVwikw/YHNlXmDi4xW9kU70jSnNqOu/xL4R0aWg3yNMgNHWp0I66i7Dy5PsdXFuApw1Eg8RndfuykLZa4Q/512EPrsIfzYtOmwje43wh4h+1u7KQvm5bk601wh9NlijXYQ+uwh/HqLrZkTXh+h4PDQP8lQ/PvAlSrT2xl0oRHQ5biOXXYQ+uwh/dhH+7CL82bRI3Ua2XKPvtTfuQvneReizi/BnF+HPLsKfTYu0bYQWsd5PfImIDmtv3IVy2EXos4vwZxfhzy7CH0okbyO7CH+2/D46rr1xF8pxF6HPLsKfXYQ/uwh/KJGyjWxatPZwWShEpK69cReKuovQZxfhzy7Cn12EP0SkGduItmHRzFF3P3r63ZHzTl4YdYqsHg/e/YdF2e7xcFRVrba109gMFp2evGhmjzpFVZLcvJVpl7K8hWaVB1liNVNdJh7VZ4Wd7P4aaa5I866lFEnDRHWksC5eVgtH8VWy8PHGTE5V/rr+QqSocTnm9CpTM+SMmRhVVJcPKbPYv5VFcs7x1F3P1eeikl1sXZHGB0lRLH+eSI75ICk6KZ8nctkOkaQN+cNEWjBRIimU0YpkHY4hmxOgqNIMHRaRJo6giLO+dyM/F1nsvpfqWVAv92Eihe0u3bNE+TgR/FkURfWhUHPMIBsguh6N0yKNs7o/EGkVIEpj+XA8fltJ0GzqDxMdQwBka+2gqQ/p9FYkpaNIiEXuje3OddQfg738rFCTcYmME9sdKXntbY1MBOy802JrotJ6bSUiInLia7y2+aZEbXuyxXbn5vXXGQazDs+6xUWGoql2kXU/DDrOssLWNFmZ65oQufeflwvU6PHDdO8ki/0xu/Rb7RVRvZNJgupW7y3bU+T6JLnej97MPLNUhbPIbJEV9U2y/eknHds5lfhfNMo/sb23oRX5LQXWGUmpGdtz3nxEpOiep7eP+5MFUEZJj+0SCnsCVX/CkrZUQFRvQG+8RkNOzHTi5LL0rW6x8YL0bwolGtdolqir0fQxAyQCNrdsVczFmdFS6fXp+4kSecPMEqntrAYkkklTYI288frkYKI+j+XCYtzRUdCIdMV/7mkWTDNmY6AU6bo5C9QknqwSEpFuzAdJUjZFQiJSoFMWfhIDu0ievDjD5ubquEV6AjVet3krU3B/Hvn8cYdDBJxUSlKVaJqmWvENMiXcImEQKcCYi26W1nZaN9SAXXFkcos0JZpxXLeICDpLDnVSBDkDusAtEhGN72p5J78LcMbn9+nudemgiDSlASLF66cC20NKbZ3qCnAnIfKp9gcxiIjVPj8/8mbVCBY9VsNes42C4YgBrgyUJ06NpkRdCuD8yB418pYIOkl2hyuQ2SOkKOMMO4M76vrBB4sG84Cjjrr5Cooeo4TdLwyGbLsC4IKgD93dHY66lUQye7gQxfqgfdcDhr7JeSOtLoL2dOn4KEdX2E+s0hp24j3RaUERsPnLLBmlYPceaYJVBB0Bja85p8ANn3rXgFX02kEqaSGAeywoGs7zjghYdqYoxyp68USCtMDZfX+wqHomav53fkBcWDSYx4NEBpkuAyLj3oSwSDIVsMM6ETVAp/3V/KG2tP/xRPRccI1IW7Comyr8PupE9052bbW/0yLHpX/1T1wRmQuskULa4oqcd/Z1pjLu6li0zqgDP49m5fmo+2NR3z50zFBYczLsBB6Rxx6y8Q5wRoE7LCaylhM5BnTs7cGdmZP1RZzdygeLXOjW9fg94jYXUnjjbBHRcJ5nImVKBA67fFgkL/HzIE4KRW7vM0/i/kQ0WSPHg75KldHdqc+h7pfZ0jKs/GuDM3hvNSLizSEqoroE1Yia7ELf00kIWS/o09z+EmLA6bC3hMh9TwRskDq51x47e4Zzhc73Qt64wyByPOjmUVT6cZZkcQV+0zxNflX05qgD36tSe3MilcCr1FLEe9sPRDYYjmgwD1wjMl1hm4h0ugF43PETVd6wB3RbKES2Pu+2cr9waHFBWESO+8JtyxrkckFYRDa8dxAAoRHNH3hRNTHkUIlsY9Z3TqR6LzcFokScSsKi4TzPRMYske0VT78XJJkJZ8uTzojV6FdEtmNkE9/diqLUzJTpAtmzalQyF6FvI5ETA9+OpraQwTYhwRvQMYqryX6sNn8vq8AynnqoGuXuCY7N/vMR3R7N47DzePR04J+gjJt4rM7V3SzwzbC8FzYtb2Z1jQtDd3nLDOLmD1E9v90++qfT4Lfh5N+cq/508shXb5st6Ll1cWa2RYu2EUo0p6QfkF2EP7sIf3YR/hCRs3ZXFoqzYdEGR92su1D4Q486yzq1D/L0iS85W67R2l1ZKLsIfzYs4l05+bg8rpxU/lZS3UXbyvZE/wFXu+LXNTDaDQAAAABJRU5ErkJggg=="/>
-          <p:cNvSpPr>
-            <a:spLocks noChangeAspect="1" noChangeArrowheads="1"/>
-          </p:cNvSpPr>
-          <p:nvPr/>
-        </p:nvSpPr>
-        <p:spPr bwMode="auto">
-          <a:xfrm>
-            <a:off x="155575" y="-144463"/>
-            <a:ext cx="304800" cy="304801"/>
-          </a:xfrm>
-          <a:prstGeom prst="rect">
-            <a:avLst/>
-          </a:prstGeom>
-          <a:noFill/>
-          <a:extLst>
-            <a:ext uri="{909E8E84-426E-40DD-AFC4-6F175D3DCCD1}">
-              <a14:hiddenFill xmlns:a14="http://schemas.microsoft.com/office/drawing/2010/main">
-                <a:solidFill>
-                  <a:srgbClr val="FFFFFF"/>
-                </a:solidFill>
-              </a14:hiddenFill>
-            </a:ext>
-          </a:extLst>
-        </p:spPr>
-        <p:txBody>
-          <a:bodyPr vert="horz" wrap="square" lIns="91440" tIns="45720" rIns="91440" bIns="45720" numCol="1" anchor="t" anchorCtr="0" compatLnSpc="1">
-            <a:prstTxWarp prst="textNoShape">
-              <a:avLst/>
-            </a:prstTxWarp>
-          </a:bodyPr>
-          <a:lstStyle/>
-          <a:p>
-            <a:endParaRPr lang="en-US" sz="1200" dirty="0"/>
-          </a:p>
-        </p:txBody>
-      </p:sp>
-      <p:sp>
-        <p:nvSpPr>
-          <p:cNvPr id="2" name="AutoShape 2" descr="Image result for file"/>
-          <p:cNvSpPr>
-            <a:spLocks noChangeAspect="1" noChangeArrowheads="1"/>
-          </p:cNvSpPr>
-          <p:nvPr/>
-        </p:nvSpPr>
-        <p:spPr bwMode="auto">
-          <a:xfrm>
-            <a:off x="307975" y="7937"/>
-            <a:ext cx="304800" cy="304801"/>
-          </a:xfrm>
-          <a:prstGeom prst="rect">
-            <a:avLst/>
-          </a:prstGeom>
-          <a:noFill/>
-          <a:extLst>
-            <a:ext uri="{909E8E84-426E-40DD-AFC4-6F175D3DCCD1}">
-              <a14:hiddenFill xmlns:a14="http://schemas.microsoft.com/office/drawing/2010/main">
-                <a:solidFill>
-                  <a:srgbClr val="FFFFFF"/>
-                </a:solidFill>
-              </a14:hiddenFill>
-            </a:ext>
-          </a:extLst>
-        </p:spPr>
-        <p:txBody>
-          <a:bodyPr vert="horz" wrap="square" lIns="91440" tIns="45720" rIns="91440" bIns="45720" numCol="1" anchor="t" anchorCtr="0" compatLnSpc="1">
-            <a:prstTxWarp prst="textNoShape">
-              <a:avLst/>
-            </a:prstTxWarp>
-          </a:bodyPr>
-          <a:lstStyle/>
-          <a:p>
-            <a:endParaRPr lang="en-US" dirty="0"/>
-          </a:p>
-        </p:txBody>
-      </p:sp>
-      <p:sp>
-        <p:nvSpPr>
-          <p:cNvPr id="4" name="AutoShape 4" descr="Image result for file"/>
-          <p:cNvSpPr>
-            <a:spLocks noChangeAspect="1" noChangeArrowheads="1"/>
-          </p:cNvSpPr>
-          <p:nvPr/>
-        </p:nvSpPr>
-        <p:spPr bwMode="auto">
-          <a:xfrm>
-            <a:off x="460375" y="160337"/>
-            <a:ext cx="304800" cy="304801"/>
-          </a:xfrm>
-          <a:prstGeom prst="rect">
-            <a:avLst/>
-          </a:prstGeom>
-          <a:noFill/>
-          <a:extLst>
-            <a:ext uri="{909E8E84-426E-40DD-AFC4-6F175D3DCCD1}">
-              <a14:hiddenFill xmlns:a14="http://schemas.microsoft.com/office/drawing/2010/main">
-                <a:solidFill>
-                  <a:srgbClr val="FFFFFF"/>
-                </a:solidFill>
-              </a14:hiddenFill>
-            </a:ext>
-          </a:extLst>
-        </p:spPr>
-        <p:txBody>
-          <a:bodyPr vert="horz" wrap="square" lIns="91440" tIns="45720" rIns="91440" bIns="45720" numCol="1" anchor="t" anchorCtr="0" compatLnSpc="1">
-            <a:prstTxWarp prst="textNoShape">
-              <a:avLst/>
-            </a:prstTxWarp>
-          </a:bodyPr>
-          <a:lstStyle/>
-          <a:p>
-            <a:endParaRPr lang="en-US" dirty="0"/>
-          </a:p>
-        </p:txBody>
-      </p:sp>
       <p:pic>
         <p:nvPicPr>
-          <p:cNvPr id="6146" name="Picture 2"/>
+          <p:cNvPr id="5123" name="Picture 3"/>
           <p:cNvPicPr>
             <a:picLocks noChangeAspect="1" noChangeArrowheads="1"/>
           </p:cNvPicPr>
@@ -7330,8 +7320,8 @@
         </p:blipFill>
         <p:spPr bwMode="auto">
           <a:xfrm>
-            <a:off x="155575" y="762000"/>
-            <a:ext cx="8802688" cy="1974565"/>
+            <a:off x="1295400" y="3429000"/>
+            <a:ext cx="4448175" cy="1200150"/>
           </a:xfrm>
           <a:prstGeom prst="rect">
             <a:avLst/>
@@ -7355,13 +7345,130 @@
       </p:pic>
       <p:sp>
         <p:nvSpPr>
+          <p:cNvPr id="3" name="AutoShape 2" descr="data:image/png;base64,iVBORw0KGgoAAAANSUhEUgAAANEAAADxCAMAAABiSKLrAAAAbFBMVEWIiIj////6+vr29vb19fX4+Pj5+fnu7u77+/v39/f9/f3z8/P+/v709PT8/Pyqqqrt7e3v7+/w8PDx8fHy8vK+vr7Q0NCjo6OBgYHY2Njk5OTHx8eNjY3c3NzGxsbn5+eWlpa1tbWcnJx6enob4+f+AAAIqklEQVR4nO3dCZuaOhQGYEZAh0FkX2W1//8/lkVMICeIkRmOPHz22lYg5OVEZLFzJRNrnC+xSGt3nJvQekMUYktnEiM1ouDrjCs/pukLkzoRtpjmNRcloRUFoiS8oo5UvLwsYpEgCaXoHLYiMRJqkRAJt0iEhFwkQMIqCgJRElpRLErCL3r1oxavSJSEWCRIQikyOtGQNPd8CaXICc04FiXhFomQkIsESChFbmhmwiT0opf3eBivMzSjLuORnh49oKxRKxIloayR24oESShFRScSI6EUJaGZCJNwiwhp/skFcpFAlbCLXiehF71MQisSJiEVVYkwqRP9oEpXI1HSXXRuWjo/2jz3f3v8YfjS7871lbU1EiT1IjrAKrvX/2iurzisijkk8OQC5ah7iERIyEUCJOyi10noRU9J490DUpFPRAApniJhFVnzSaOdOF6RKAmlKGhFgiTMohdIyYeIhEh30aV99E9NLo8VXLqn++Q/mIuIREid6DJsv32s91Ityi1hEtJRl5+ESX2NMKUR2ZYoCbNIjIRV5FiiJIyicx7mriVEKnCKfvxadBIloRQ1NTqJkcICpcgPr7rjOPYJZnFNbZVwikw/YHNlXmDi4xW9kU70jSnNqOu/xL4R0aWg3yNMgNHWp0I66i7Dy5PsdXFuApw1Eg8RndfuykLZa4Q/512EPrsIfzYtOmwje43wh4h+1u7KQvm5bk601wh9NlijXYQ+uwh/HqLrZkTXh+h4PDQP8lQ/PvAlSrT2xl0oRHQ5biOXXYQ+uwh/dhH+7CL82bRI3Ua2XKPvtTfuQvneReizi/BnF+HPLsKfTYu0bYQWsd5PfImIDmtv3IVy2EXos4vwZxfhzy7CH0okbyO7CH+2/D46rr1xF8pxF6HPLsKfXYQ/uwh/KJGyjWxatPZwWShEpK69cReKuovQZxfhzy7Cn12EP0SkGduItmHRzFF3P3r63ZHzTl4YdYqsHg/e/YdF2e7xcFRVrba109gMFp2evGhmjzpFVZLcvJVpl7K8hWaVB1liNVNdJh7VZ4Wd7P4aaa5I866lFEnDRHWksC5eVgtH8VWy8PHGTE5V/rr+QqSocTnm9CpTM+SMmRhVVJcPKbPYv5VFcs7x1F3P1eeikl1sXZHGB0lRLH+eSI75ICk6KZ8nctkOkaQN+cNEWjBRIimU0YpkHY4hmxOgqNIMHRaRJo6giLO+dyM/F1nsvpfqWVAv92Eihe0u3bNE+TgR/FkURfWhUHPMIBsguh6N0yKNs7o/EGkVIEpj+XA8fltJ0GzqDxMdQwBka+2gqQ/p9FYkpaNIiEXuje3OddQfg738rFCTcYmME9sdKXntbY1MBOy802JrotJ6bSUiInLia7y2+aZEbXuyxXbn5vXXGQazDs+6xUWGoql2kXU/DDrOssLWNFmZ65oQufeflwvU6PHDdO8ki/0xu/Rb7RVRvZNJgupW7y3bU+T6JLnej97MPLNUhbPIbJEV9U2y/eknHds5lfhfNMo/sb23oRX5LQXWGUmpGdtz3nxEpOiep7eP+5MFUEZJj+0SCnsCVX/CkrZUQFRvQG+8RkNOzHTi5LL0rW6x8YL0bwolGtdolqir0fQxAyQCNrdsVczFmdFS6fXp+4kSecPMEqntrAYkkklTYI288frkYKI+j+XCYtzRUdCIdMV/7mkWTDNmY6AU6bo5C9QknqwSEpFuzAdJUjZFQiJSoFMWfhIDu0ievDjD5ubquEV6AjVet3krU3B/Hvn8cYdDBJxUSlKVaJqmWvENMiXcImEQKcCYi26W1nZaN9SAXXFkcos0JZpxXLeICDpLDnVSBDkDusAtEhGN72p5J78LcMbn9+nudemgiDSlASLF66cC20NKbZ3qCnAnIfKp9gcxiIjVPj8/8mbVCBY9VsNes42C4YgBrgyUJ06NpkRdCuD8yB418pYIOkl2hyuQ2SOkKOMMO4M76vrBB4sG84Cjjrr5Cooeo4TdLwyGbLsC4IKgD93dHY66lUQye7gQxfqgfdcDhr7JeSOtLoL2dOn4KEdX2E+s0hp24j3RaUERsPnLLBmlYPceaYJVBB0Bja85p8ANn3rXgFX02kEqaSGAeywoGs7zjghYdqYoxyp68USCtMDZfX+wqHomav53fkBcWDSYx4NEBpkuAyLj3oSwSDIVsMM6ETVAp/3V/KG2tP/xRPRccI1IW7Comyr8PupE9052bbW/0yLHpX/1T1wRmQuskULa4oqcd/Z1pjLu6li0zqgDP49m5fmo+2NR3z50zFBYczLsBB6Rxx6y8Q5wRoE7LCaylhM5BnTs7cGdmZP1RZzdygeLXOjW9fg94jYXUnjjbBHRcJ5nImVKBA67fFgkL/HzIE4KRW7vM0/i/kQ0WSPHg75KldHdqc+h7pfZ0jKs/GuDM3hvNSLizSEqoroE1Yia7ELf00kIWS/o09z+EmLA6bC3hMh9TwRskDq51x47e4Zzhc73Qt64wyByPOjmUVT6cZZkcQV+0zxNflX05qgD36tSe3MilcCr1FLEe9sPRDYYjmgwD1wjMl1hm4h0ugF43PETVd6wB3RbKES2Pu+2cr9waHFBWESO+8JtyxrkckFYRDa8dxAAoRHNH3hRNTHkUIlsY9Z3TqR6LzcFokScSsKi4TzPRMYske0VT78XJJkJZ8uTzojV6FdEtmNkE9/diqLUzJTpAtmzalQyF6FvI5ETA9+OpraQwTYhwRvQMYqryX6sNn8vq8AynnqoGuXuCY7N/vMR3R7N47DzePR04J+gjJt4rM7V3SzwzbC8FzYtb2Z1jQtDd3nLDOLmD1E9v90++qfT4Lfh5N+cq/508shXb5st6Ll1cWa2RYu2EUo0p6QfkF2EP7sIf3YR/hCRs3ZXFoqzYdEGR92su1D4Q486yzq1D/L0iS85W67R2l1ZKLsIfzYs4l05+bg8rpxU/lZS3UXbyvZE/wFXu+LXNTDaDQAAAABJRU5ErkJggg=="/>
+          <p:cNvSpPr>
+            <a:spLocks noChangeAspect="1" noChangeArrowheads="1"/>
+          </p:cNvSpPr>
+          <p:nvPr/>
+        </p:nvSpPr>
+        <p:spPr bwMode="auto">
+          <a:xfrm>
+            <a:off x="155575" y="-144463"/>
+            <a:ext cx="304800" cy="304801"/>
+          </a:xfrm>
+          <a:prstGeom prst="rect">
+            <a:avLst/>
+          </a:prstGeom>
+          <a:noFill/>
+          <a:extLst>
+            <a:ext uri="{909E8E84-426E-40DD-AFC4-6F175D3DCCD1}">
+              <a14:hiddenFill xmlns:a14="http://schemas.microsoft.com/office/drawing/2010/main">
+                <a:solidFill>
+                  <a:srgbClr val="FFFFFF"/>
+                </a:solidFill>
+              </a14:hiddenFill>
+            </a:ext>
+          </a:extLst>
+        </p:spPr>
+        <p:txBody>
+          <a:bodyPr vert="horz" wrap="square" lIns="91440" tIns="45720" rIns="91440" bIns="45720" numCol="1" anchor="t" anchorCtr="0" compatLnSpc="1">
+            <a:prstTxWarp prst="textNoShape">
+              <a:avLst/>
+            </a:prstTxWarp>
+          </a:bodyPr>
+          <a:lstStyle/>
+          <a:p>
+            <a:endParaRPr lang="en-US" sz="1200" dirty="0"/>
+          </a:p>
+        </p:txBody>
+      </p:sp>
+      <p:sp>
+        <p:nvSpPr>
+          <p:cNvPr id="2" name="AutoShape 2" descr="Image result for file"/>
+          <p:cNvSpPr>
+            <a:spLocks noChangeAspect="1" noChangeArrowheads="1"/>
+          </p:cNvSpPr>
+          <p:nvPr/>
+        </p:nvSpPr>
+        <p:spPr bwMode="auto">
+          <a:xfrm>
+            <a:off x="307975" y="7937"/>
+            <a:ext cx="304800" cy="304801"/>
+          </a:xfrm>
+          <a:prstGeom prst="rect">
+            <a:avLst/>
+          </a:prstGeom>
+          <a:noFill/>
+          <a:extLst>
+            <a:ext uri="{909E8E84-426E-40DD-AFC4-6F175D3DCCD1}">
+              <a14:hiddenFill xmlns:a14="http://schemas.microsoft.com/office/drawing/2010/main">
+                <a:solidFill>
+                  <a:srgbClr val="FFFFFF"/>
+                </a:solidFill>
+              </a14:hiddenFill>
+            </a:ext>
+          </a:extLst>
+        </p:spPr>
+        <p:txBody>
+          <a:bodyPr vert="horz" wrap="square" lIns="91440" tIns="45720" rIns="91440" bIns="45720" numCol="1" anchor="t" anchorCtr="0" compatLnSpc="1">
+            <a:prstTxWarp prst="textNoShape">
+              <a:avLst/>
+            </a:prstTxWarp>
+          </a:bodyPr>
+          <a:lstStyle/>
+          <a:p>
+            <a:endParaRPr lang="en-US" dirty="0"/>
+          </a:p>
+        </p:txBody>
+      </p:sp>
+      <p:sp>
+        <p:nvSpPr>
+          <p:cNvPr id="4" name="AutoShape 4" descr="Image result for file"/>
+          <p:cNvSpPr>
+            <a:spLocks noChangeAspect="1" noChangeArrowheads="1"/>
+          </p:cNvSpPr>
+          <p:nvPr/>
+        </p:nvSpPr>
+        <p:spPr bwMode="auto">
+          <a:xfrm>
+            <a:off x="460375" y="160337"/>
+            <a:ext cx="304800" cy="304801"/>
+          </a:xfrm>
+          <a:prstGeom prst="rect">
+            <a:avLst/>
+          </a:prstGeom>
+          <a:noFill/>
+          <a:extLst>
+            <a:ext uri="{909E8E84-426E-40DD-AFC4-6F175D3DCCD1}">
+              <a14:hiddenFill xmlns:a14="http://schemas.microsoft.com/office/drawing/2010/main">
+                <a:solidFill>
+                  <a:srgbClr val="FFFFFF"/>
+                </a:solidFill>
+              </a14:hiddenFill>
+            </a:ext>
+          </a:extLst>
+        </p:spPr>
+        <p:txBody>
+          <a:bodyPr vert="horz" wrap="square" lIns="91440" tIns="45720" rIns="91440" bIns="45720" numCol="1" anchor="t" anchorCtr="0" compatLnSpc="1">
+            <a:prstTxWarp prst="textNoShape">
+              <a:avLst/>
+            </a:prstTxWarp>
+          </a:bodyPr>
+          <a:lstStyle/>
+          <a:p>
+            <a:endParaRPr lang="en-US" dirty="0"/>
+          </a:p>
+        </p:txBody>
+      </p:sp>
+      <p:sp>
+        <p:nvSpPr>
           <p:cNvPr id="6" name="Rounded Rectangular Callout 5"/>
           <p:cNvSpPr/>
           <p:nvPr/>
         </p:nvSpPr>
         <p:spPr>
           <a:xfrm>
-            <a:off x="1143000" y="3200400"/>
+            <a:off x="1143000" y="2806827"/>
             <a:ext cx="3733800" cy="384048"/>
           </a:xfrm>
           <a:prstGeom prst="wedgeRoundRectCallout">
@@ -7408,14 +7515,14 @@
       </p:sp>
       <p:sp>
         <p:nvSpPr>
-          <p:cNvPr id="10" name="Rectangle 9"/>
+          <p:cNvPr id="8" name="Rectangle 7"/>
           <p:cNvSpPr/>
           <p:nvPr/>
         </p:nvSpPr>
         <p:spPr>
           <a:xfrm>
             <a:off x="1752600" y="35739"/>
-            <a:ext cx="5638800" cy="276999"/>
+            <a:ext cx="6019800" cy="276999"/>
           </a:xfrm>
           <a:prstGeom prst="rect">
             <a:avLst/>
@@ -7550,16 +7657,70 @@
             </a:r>
             <a:r>
               <a:rPr lang="en-US" sz="1200" dirty="0" smtClean="0"/>
-              <a:t>XML binding </a:t>
+              <a:t>XML binding framework – </a:t>
             </a:r>
             <a:r>
               <a:rPr lang="en-US" sz="1200" dirty="0" smtClean="0"/>
-              <a:t>framework – XML Configuration</a:t>
+              <a:t>Annotation</a:t>
+            </a:r>
+            <a:r>
+              <a:rPr lang="en-US" sz="1200" dirty="0" smtClean="0"/>
+              <a:t> </a:t>
+            </a:r>
+            <a:r>
+              <a:rPr lang="en-US" sz="1200" dirty="0" smtClean="0"/>
+              <a:t>Configuration</a:t>
             </a:r>
             <a:endParaRPr lang="en-US" sz="1200" dirty="0"/>
           </a:p>
         </p:txBody>
       </p:sp>
+      <p:pic>
+        <p:nvPicPr>
+          <p:cNvPr id="5122" name="Picture 2"/>
+          <p:cNvPicPr>
+            <a:picLocks noChangeAspect="1" noChangeArrowheads="1"/>
+          </p:cNvPicPr>
+          <p:nvPr/>
+        </p:nvPicPr>
+        <p:blipFill>
+          <a:blip r:embed="rId4">
+            <a:extLst>
+              <a:ext uri="{28A0092B-C50C-407E-A947-70E740481C1C}">
+                <a14:useLocalDpi xmlns:a14="http://schemas.microsoft.com/office/drawing/2010/main" val="0"/>
+              </a:ext>
+            </a:extLst>
+          </a:blip>
+          <a:srcRect/>
+          <a:stretch>
+            <a:fillRect/>
+          </a:stretch>
+        </p:blipFill>
+        <p:spPr bwMode="auto">
+          <a:xfrm>
+            <a:off x="155575" y="465138"/>
+            <a:ext cx="8912225" cy="2043217"/>
+          </a:xfrm>
+          <a:prstGeom prst="rect">
+            <a:avLst/>
+          </a:prstGeom>
+          <a:ln/>
+        </p:spPr>
+        <p:style>
+          <a:lnRef idx="1">
+            <a:schemeClr val="accent4"/>
+          </a:lnRef>
+          <a:fillRef idx="2">
+            <a:schemeClr val="accent4"/>
+          </a:fillRef>
+          <a:effectRef idx="1">
+            <a:schemeClr val="accent4"/>
+          </a:effectRef>
+          <a:fontRef idx="minor">
+            <a:schemeClr val="dk1"/>
+          </a:fontRef>
+        </p:style>
+      </p:pic>
     </p:spTree>
     <p:extLst>
       <p:ext uri="{BB962C8B-B14F-4D97-AF65-F5344CB8AC3E}">
